--- a/trunk/doc/workshop/Introduction to Semantic Web and Ontologies-shortversion.pptx
+++ b/trunk/doc/workshop/Introduction to Semantic Web and Ontologies-shortversion.pptx
@@ -5,37 +5,38 @@
     <p:sldMasterId id="2147483648" r:id="rId1"/>
   </p:sldMasterIdLst>
   <p:notesMasterIdLst>
-    <p:notesMasterId r:id="rId30"/>
+    <p:notesMasterId r:id="rId31"/>
   </p:notesMasterIdLst>
   <p:sldIdLst>
     <p:sldId id="256" r:id="rId2"/>
     <p:sldId id="257" r:id="rId3"/>
     <p:sldId id="258" r:id="rId4"/>
     <p:sldId id="259" r:id="rId5"/>
-    <p:sldId id="260" r:id="rId6"/>
-    <p:sldId id="261" r:id="rId7"/>
+    <p:sldId id="285" r:id="rId6"/>
+    <p:sldId id="286" r:id="rId7"/>
     <p:sldId id="262" r:id="rId8"/>
     <p:sldId id="263" r:id="rId9"/>
     <p:sldId id="264" r:id="rId10"/>
     <p:sldId id="265" r:id="rId11"/>
     <p:sldId id="266" r:id="rId12"/>
     <p:sldId id="267" r:id="rId13"/>
-    <p:sldId id="268" r:id="rId14"/>
-    <p:sldId id="269" r:id="rId15"/>
-    <p:sldId id="270" r:id="rId16"/>
-    <p:sldId id="271" r:id="rId17"/>
-    <p:sldId id="272" r:id="rId18"/>
-    <p:sldId id="273" r:id="rId19"/>
-    <p:sldId id="274" r:id="rId20"/>
-    <p:sldId id="275" r:id="rId21"/>
-    <p:sldId id="276" r:id="rId22"/>
-    <p:sldId id="277" r:id="rId23"/>
-    <p:sldId id="278" r:id="rId24"/>
-    <p:sldId id="279" r:id="rId25"/>
-    <p:sldId id="280" r:id="rId26"/>
-    <p:sldId id="281" r:id="rId27"/>
-    <p:sldId id="282" r:id="rId28"/>
-    <p:sldId id="283" r:id="rId29"/>
+    <p:sldId id="284" r:id="rId14"/>
+    <p:sldId id="268" r:id="rId15"/>
+    <p:sldId id="269" r:id="rId16"/>
+    <p:sldId id="270" r:id="rId17"/>
+    <p:sldId id="271" r:id="rId18"/>
+    <p:sldId id="272" r:id="rId19"/>
+    <p:sldId id="273" r:id="rId20"/>
+    <p:sldId id="274" r:id="rId21"/>
+    <p:sldId id="275" r:id="rId22"/>
+    <p:sldId id="276" r:id="rId23"/>
+    <p:sldId id="277" r:id="rId24"/>
+    <p:sldId id="278" r:id="rId25"/>
+    <p:sldId id="279" r:id="rId26"/>
+    <p:sldId id="280" r:id="rId27"/>
+    <p:sldId id="281" r:id="rId28"/>
+    <p:sldId id="282" r:id="rId29"/>
+    <p:sldId id="283" r:id="rId30"/>
   </p:sldIdLst>
   <p:sldSz cx="9144000" cy="6858000" type="screen4x3"/>
   <p:notesSz cx="6858000" cy="9144000"/>
@@ -220,7 +221,7 @@
             <a:fld id="{3493A2E6-C53B-4A63-8E8A-EF9A0B117024}" type="datetimeFigureOut">
               <a:rPr lang="tr-TR" smtClean="0"/>
               <a:pPr/>
-              <a:t>05.02.2009</a:t>
+              <a:t>20.02.2009</a:t>
             </a:fld>
             <a:endParaRPr lang="tr-TR"/>
           </a:p>
@@ -614,7 +615,7 @@
             <a:fld id="{E740DD57-8401-44F4-9F96-2523447088A7}" type="slidenum">
               <a:rPr lang="tr-TR" smtClean="0"/>
               <a:pPr/>
-              <a:t>13</a:t>
+              <a:t>14</a:t>
             </a:fld>
             <a:endParaRPr lang="tr-TR" smtClean="0"/>
           </a:p>
@@ -654,9 +655,45 @@
           <a:p>
             <a:pPr eaLnBrk="1" hangingPunct="1"/>
             <a:r>
-              <a:rPr lang="tr-TR" smtClean="0"/>
-              <a:t>[1,8]</a:t>
-            </a:r>
+              <a:rPr lang="tr-TR" dirty="0" smtClean="0"/>
+              <a:t>[1,8</a:t>
+            </a:r>
+            <a:r>
+              <a:rPr lang="tr-TR" dirty="0" smtClean="0"/>
+              <a:t>]</a:t>
+            </a:r>
+          </a:p>
+          <a:p>
+            <a:pPr marL="0" marR="0" indent="0" algn="l" defTabSz="914400" rtl="0" eaLnBrk="1" fontAlgn="auto" latinLnBrk="0" hangingPunct="1">
+              <a:lnSpc>
+                <a:spcPct val="100000"/>
+              </a:lnSpc>
+              <a:spcBef>
+                <a:spcPts val="0"/>
+              </a:spcBef>
+              <a:spcAft>
+                <a:spcPts val="0"/>
+              </a:spcAft>
+              <a:buClrTx/>
+              <a:buSzTx/>
+              <a:buFontTx/>
+              <a:buNone/>
+              <a:tabLst/>
+              <a:defRPr/>
+            </a:pPr>
+            <a:r>
+              <a:rPr lang="en-US" dirty="0" smtClean="0"/>
+              <a:t>Big Apple is a large fruit or a city?</a:t>
+            </a:r>
+            <a:r>
+              <a:rPr lang="tr-TR" dirty="0" smtClean="0"/>
+              <a:t> [8]</a:t>
+            </a:r>
+            <a:endParaRPr lang="en-US" dirty="0" smtClean="0"/>
+          </a:p>
+          <a:p>
+            <a:pPr eaLnBrk="1" hangingPunct="1"/>
+            <a:endParaRPr lang="tr-TR" dirty="0" smtClean="0"/>
           </a:p>
         </p:txBody>
       </p:sp>
@@ -705,7 +742,7 @@
             <a:fld id="{AAFD905A-F25D-428E-9324-FBEB2CA2D76C}" type="slidenum">
               <a:rPr lang="tr-TR" smtClean="0"/>
               <a:pPr/>
-              <a:t>14</a:t>
+              <a:t>15</a:t>
             </a:fld>
             <a:endParaRPr lang="tr-TR" smtClean="0"/>
           </a:p>
@@ -796,7 +833,7 @@
             <a:fld id="{A873E440-9E67-427D-96D4-E445E323803F}" type="slidenum">
               <a:rPr lang="tr-TR" smtClean="0"/>
               <a:pPr/>
-              <a:t>15</a:t>
+              <a:t>16</a:t>
             </a:fld>
             <a:endParaRPr lang="tr-TR" smtClean="0"/>
           </a:p>
@@ -887,7 +924,7 @@
             <a:fld id="{49825329-1B7E-4A43-A79C-D74F24D85991}" type="slidenum">
               <a:rPr lang="tr-TR" smtClean="0"/>
               <a:pPr/>
-              <a:t>16</a:t>
+              <a:t>17</a:t>
             </a:fld>
             <a:endParaRPr lang="tr-TR" smtClean="0"/>
           </a:p>
@@ -978,7 +1015,7 @@
             <a:fld id="{603D0C0F-EF10-49AC-9A1B-F0EA03E77D0E}" type="slidenum">
               <a:rPr lang="tr-TR" smtClean="0"/>
               <a:pPr/>
-              <a:t>17</a:t>
+              <a:t>18</a:t>
             </a:fld>
             <a:endParaRPr lang="tr-TR" smtClean="0"/>
           </a:p>
@@ -1069,7 +1106,7 @@
             <a:fld id="{D222EB2C-A473-49C2-98EE-4502DA34EA60}" type="slidenum">
               <a:rPr lang="tr-TR" smtClean="0"/>
               <a:pPr/>
-              <a:t>18</a:t>
+              <a:t>19</a:t>
             </a:fld>
             <a:endParaRPr lang="tr-TR" smtClean="0"/>
           </a:p>
@@ -1160,7 +1197,7 @@
             <a:fld id="{11F7DC84-EE63-4712-AD08-25B9387EA76F}" type="slidenum">
               <a:rPr lang="tr-TR" smtClean="0"/>
               <a:pPr/>
-              <a:t>19</a:t>
+              <a:t>20</a:t>
             </a:fld>
             <a:endParaRPr lang="tr-TR" smtClean="0"/>
           </a:p>
@@ -1319,7 +1356,7 @@
             <a:fld id="{595666E4-EBE9-428A-9C5F-C68867322D28}" type="slidenum">
               <a:rPr lang="tr-TR" smtClean="0"/>
               <a:pPr/>
-              <a:t>20</a:t>
+              <a:t>21</a:t>
             </a:fld>
             <a:endParaRPr lang="tr-TR" smtClean="0"/>
           </a:p>
@@ -1410,7 +1447,7 @@
             <a:fld id="{8590730C-04C4-4DC0-AC4E-4348BC700756}" type="slidenum">
               <a:rPr lang="tr-TR" smtClean="0"/>
               <a:pPr/>
-              <a:t>21</a:t>
+              <a:t>22</a:t>
             </a:fld>
             <a:endParaRPr lang="tr-TR" smtClean="0"/>
           </a:p>
@@ -1501,7 +1538,7 @@
             <a:fld id="{EF754112-0C1C-4340-84C7-510F0417DE2D}" type="slidenum">
               <a:rPr lang="tr-TR" smtClean="0"/>
               <a:pPr/>
-              <a:t>22</a:t>
+              <a:t>23</a:t>
             </a:fld>
             <a:endParaRPr lang="tr-TR" smtClean="0"/>
           </a:p>
@@ -1683,7 +1720,7 @@
             <a:fld id="{EE53CC08-77B9-4B75-A00B-125AAE447BE7}" type="slidenum">
               <a:rPr lang="tr-TR" smtClean="0"/>
               <a:pPr/>
-              <a:t>23</a:t>
+              <a:t>24</a:t>
             </a:fld>
             <a:endParaRPr lang="tr-TR" smtClean="0"/>
           </a:p>
@@ -1924,7 +1961,7 @@
             <a:fld id="{6A201B65-0500-42EE-933E-950ADD22395B}" type="slidenum">
               <a:rPr lang="tr-TR" smtClean="0"/>
               <a:pPr/>
-              <a:t>24</a:t>
+              <a:t>25</a:t>
             </a:fld>
             <a:endParaRPr lang="tr-TR" smtClean="0"/>
           </a:p>
@@ -2015,7 +2052,7 @@
             <a:fld id="{AE89EF3D-62B7-4CEE-B283-7DDC70E0EE77}" type="slidenum">
               <a:rPr lang="tr-TR" smtClean="0"/>
               <a:pPr/>
-              <a:t>25</a:t>
+              <a:t>26</a:t>
             </a:fld>
             <a:endParaRPr lang="tr-TR" smtClean="0"/>
           </a:p>
@@ -2115,7 +2152,7 @@
             <a:fld id="{8856A438-0C16-44B8-9646-61F8FB743C21}" type="slidenum">
               <a:rPr lang="tr-TR" smtClean="0"/>
               <a:pPr/>
-              <a:t>26</a:t>
+              <a:t>27</a:t>
             </a:fld>
             <a:endParaRPr lang="tr-TR" smtClean="0"/>
           </a:p>
@@ -2215,7 +2252,7 @@
             <a:fld id="{7DA5B767-4596-410A-82A3-DEB5C13EFC4C}" type="slidenum">
               <a:rPr lang="tr-TR" smtClean="0"/>
               <a:pPr/>
-              <a:t>27</a:t>
+              <a:t>28</a:t>
             </a:fld>
             <a:endParaRPr lang="tr-TR" smtClean="0"/>
           </a:p>
@@ -2288,67 +2325,62 @@
       </p:grpSpPr>
       <p:sp>
         <p:nvSpPr>
-          <p:cNvPr id="102402" name="Rectangle 7"/>
-          <p:cNvSpPr>
-            <a:spLocks noGrp="1" noChangeArrowheads="1"/>
+          <p:cNvPr id="2" name="Slide Image Placeholder 1"/>
+          <p:cNvSpPr>
+            <a:spLocks noGrp="1" noRot="1" noChangeAspect="1"/>
           </p:cNvSpPr>
           <p:nvPr>
-            <p:ph type="sldNum" sz="quarter" idx="5"/>
+            <p:ph type="sldImg"/>
           </p:nvPr>
         </p:nvSpPr>
-        <p:spPr>
-          <a:noFill/>
-        </p:spPr>
+        <p:spPr/>
+      </p:sp>
+      <p:sp>
+        <p:nvSpPr>
+          <p:cNvPr id="3" name="Notes Placeholder 2"/>
+          <p:cNvSpPr>
+            <a:spLocks noGrp="1"/>
+          </p:cNvSpPr>
+          <p:nvPr>
+            <p:ph type="body" idx="1"/>
+          </p:nvPr>
+        </p:nvSpPr>
+        <p:spPr/>
+        <p:txBody>
+          <a:bodyPr>
+            <a:normAutofit/>
+          </a:bodyPr>
+          <a:lstStyle/>
+          <a:p>
+            <a:r>
+              <a:rPr lang="tr-TR" dirty="0" smtClean="0"/>
+              <a:t>[1,8]</a:t>
+            </a:r>
+            <a:endParaRPr lang="tr-TR" dirty="0"/>
+          </a:p>
+        </p:txBody>
+      </p:sp>
+      <p:sp>
+        <p:nvSpPr>
+          <p:cNvPr id="4" name="Slide Number Placeholder 3"/>
+          <p:cNvSpPr>
+            <a:spLocks noGrp="1"/>
+          </p:cNvSpPr>
+          <p:nvPr>
+            <p:ph type="sldNum" sz="quarter" idx="10"/>
+          </p:nvPr>
+        </p:nvSpPr>
+        <p:spPr/>
         <p:txBody>
           <a:bodyPr/>
           <a:lstStyle/>
           <a:p>
-            <a:fld id="{6C9F65B8-BE4B-4DA6-80C3-11176B08D8A3}" type="slidenum">
+            <a:fld id="{0D0ED830-3E6B-4EFC-87D5-54B06F920565}" type="slidenum">
               <a:rPr lang="tr-TR" smtClean="0"/>
               <a:pPr/>
               <a:t>5</a:t>
             </a:fld>
-            <a:endParaRPr lang="tr-TR" smtClean="0"/>
-          </a:p>
-        </p:txBody>
-      </p:sp>
-      <p:sp>
-        <p:nvSpPr>
-          <p:cNvPr id="102403" name="Rectangle 2"/>
-          <p:cNvSpPr>
-            <a:spLocks noGrp="1" noRot="1" noChangeAspect="1" noChangeArrowheads="1" noTextEdit="1"/>
-          </p:cNvSpPr>
-          <p:nvPr>
-            <p:ph type="sldImg"/>
-          </p:nvPr>
-        </p:nvSpPr>
-        <p:spPr>
-          <a:ln/>
-        </p:spPr>
-      </p:sp>
-      <p:sp>
-        <p:nvSpPr>
-          <p:cNvPr id="102404" name="Rectangle 3"/>
-          <p:cNvSpPr>
-            <a:spLocks noGrp="1" noChangeArrowheads="1"/>
-          </p:cNvSpPr>
-          <p:nvPr>
-            <p:ph type="body" idx="1"/>
-          </p:nvPr>
-        </p:nvSpPr>
-        <p:spPr>
-          <a:noFill/>
-          <a:ln/>
-        </p:spPr>
-        <p:txBody>
-          <a:bodyPr/>
-          <a:lstStyle/>
-          <a:p>
-            <a:pPr eaLnBrk="1" hangingPunct="1"/>
-            <a:r>
-              <a:rPr lang="tr-TR" smtClean="0"/>
-              <a:t>[1,8]</a:t>
-            </a:r>
+            <a:endParaRPr lang="tr-TR"/>
           </a:p>
         </p:txBody>
       </p:sp>
@@ -2379,7 +2411,7 @@
       </p:grpSpPr>
       <p:sp>
         <p:nvSpPr>
-          <p:cNvPr id="103426" name="Rectangle 7"/>
+          <p:cNvPr id="104450" name="Rectangle 7"/>
           <p:cNvSpPr>
             <a:spLocks noGrp="1" noChangeArrowheads="1"/>
           </p:cNvSpPr>
@@ -2394,10 +2426,10 @@
           <a:bodyPr/>
           <a:lstStyle/>
           <a:p>
-            <a:fld id="{F5D0FC55-680D-4A67-A6A7-84A5A0EDD5BB}" type="slidenum">
+            <a:fld id="{E2190245-48BA-4401-9987-25253A91D129}" type="slidenum">
               <a:rPr lang="tr-TR" smtClean="0"/>
               <a:pPr/>
-              <a:t>6</a:t>
+              <a:t>7</a:t>
             </a:fld>
             <a:endParaRPr lang="tr-TR" smtClean="0"/>
           </a:p>
@@ -2405,7 +2437,7 @@
       </p:sp>
       <p:sp>
         <p:nvSpPr>
-          <p:cNvPr id="103427" name="Rectangle 2"/>
+          <p:cNvPr id="104451" name="Rectangle 2"/>
           <p:cNvSpPr>
             <a:spLocks noGrp="1" noRot="1" noChangeAspect="1" noChangeArrowheads="1" noTextEdit="1"/>
           </p:cNvSpPr>
@@ -2419,7 +2451,7 @@
       </p:sp>
       <p:sp>
         <p:nvSpPr>
-          <p:cNvPr id="103428" name="Rectangle 3"/>
+          <p:cNvPr id="104452" name="Rectangle 3"/>
           <p:cNvSpPr>
             <a:spLocks noGrp="1" noChangeArrowheads="1"/>
           </p:cNvSpPr>
@@ -2438,7 +2470,7 @@
             <a:pPr eaLnBrk="1" hangingPunct="1"/>
             <a:r>
               <a:rPr lang="tr-TR" smtClean="0"/>
-              <a:t>[2,8]</a:t>
+              <a:t>[1,8]</a:t>
             </a:r>
           </a:p>
         </p:txBody>
@@ -2470,7 +2502,7 @@
       </p:grpSpPr>
       <p:sp>
         <p:nvSpPr>
-          <p:cNvPr id="104450" name="Rectangle 7"/>
+          <p:cNvPr id="105474" name="Rectangle 7"/>
           <p:cNvSpPr>
             <a:spLocks noGrp="1" noChangeArrowheads="1"/>
           </p:cNvSpPr>
@@ -2485,10 +2517,10 @@
           <a:bodyPr/>
           <a:lstStyle/>
           <a:p>
-            <a:fld id="{E2190245-48BA-4401-9987-25253A91D129}" type="slidenum">
+            <a:fld id="{70A19DD3-1994-4362-9654-79DEDAE7AAEC}" type="slidenum">
               <a:rPr lang="tr-TR" smtClean="0"/>
               <a:pPr/>
-              <a:t>7</a:t>
+              <a:t>8</a:t>
             </a:fld>
             <a:endParaRPr lang="tr-TR" smtClean="0"/>
           </a:p>
@@ -2496,7 +2528,7 @@
       </p:sp>
       <p:sp>
         <p:nvSpPr>
-          <p:cNvPr id="104451" name="Rectangle 2"/>
+          <p:cNvPr id="105475" name="Rectangle 2"/>
           <p:cNvSpPr>
             <a:spLocks noGrp="1" noRot="1" noChangeAspect="1" noChangeArrowheads="1" noTextEdit="1"/>
           </p:cNvSpPr>
@@ -2510,7 +2542,7 @@
       </p:sp>
       <p:sp>
         <p:nvSpPr>
-          <p:cNvPr id="104452" name="Rectangle 3"/>
+          <p:cNvPr id="105476" name="Rectangle 3"/>
           <p:cNvSpPr>
             <a:spLocks noGrp="1" noChangeArrowheads="1"/>
           </p:cNvSpPr>
@@ -2529,7 +2561,7 @@
             <a:pPr eaLnBrk="1" hangingPunct="1"/>
             <a:r>
               <a:rPr lang="tr-TR" smtClean="0"/>
-              <a:t>[1,8]</a:t>
+              <a:t>[1]</a:t>
             </a:r>
           </a:p>
         </p:txBody>
@@ -2561,7 +2593,7 @@
       </p:grpSpPr>
       <p:sp>
         <p:nvSpPr>
-          <p:cNvPr id="105474" name="Rectangle 7"/>
+          <p:cNvPr id="106498" name="Rectangle 7"/>
           <p:cNvSpPr>
             <a:spLocks noGrp="1" noChangeArrowheads="1"/>
           </p:cNvSpPr>
@@ -2576,10 +2608,10 @@
           <a:bodyPr/>
           <a:lstStyle/>
           <a:p>
-            <a:fld id="{70A19DD3-1994-4362-9654-79DEDAE7AAEC}" type="slidenum">
+            <a:fld id="{D5178219-C525-4CC7-976C-FB1BA2BD9B36}" type="slidenum">
               <a:rPr lang="tr-TR" smtClean="0"/>
               <a:pPr/>
-              <a:t>8</a:t>
+              <a:t>9</a:t>
             </a:fld>
             <a:endParaRPr lang="tr-TR" smtClean="0"/>
           </a:p>
@@ -2587,7 +2619,7 @@
       </p:sp>
       <p:sp>
         <p:nvSpPr>
-          <p:cNvPr id="105475" name="Rectangle 2"/>
+          <p:cNvPr id="106499" name="Rectangle 2"/>
           <p:cNvSpPr>
             <a:spLocks noGrp="1" noRot="1" noChangeAspect="1" noChangeArrowheads="1" noTextEdit="1"/>
           </p:cNvSpPr>
@@ -2601,7 +2633,7 @@
       </p:sp>
       <p:sp>
         <p:nvSpPr>
-          <p:cNvPr id="105476" name="Rectangle 3"/>
+          <p:cNvPr id="106500" name="Rectangle 3"/>
           <p:cNvSpPr>
             <a:spLocks noGrp="1" noChangeArrowheads="1"/>
           </p:cNvSpPr>
@@ -2652,7 +2684,7 @@
       </p:grpSpPr>
       <p:sp>
         <p:nvSpPr>
-          <p:cNvPr id="106498" name="Rectangle 7"/>
+          <p:cNvPr id="107522" name="Rectangle 7"/>
           <p:cNvSpPr>
             <a:spLocks noGrp="1" noChangeArrowheads="1"/>
           </p:cNvSpPr>
@@ -2667,10 +2699,10 @@
           <a:bodyPr/>
           <a:lstStyle/>
           <a:p>
-            <a:fld id="{D5178219-C525-4CC7-976C-FB1BA2BD9B36}" type="slidenum">
+            <a:fld id="{E78A6234-A000-4868-9491-154516B286D3}" type="slidenum">
               <a:rPr lang="tr-TR" smtClean="0"/>
               <a:pPr/>
-              <a:t>9</a:t>
+              <a:t>10</a:t>
             </a:fld>
             <a:endParaRPr lang="tr-TR" smtClean="0"/>
           </a:p>
@@ -2678,7 +2710,7 @@
       </p:sp>
       <p:sp>
         <p:nvSpPr>
-          <p:cNvPr id="106499" name="Rectangle 2"/>
+          <p:cNvPr id="107523" name="Rectangle 2"/>
           <p:cNvSpPr>
             <a:spLocks noGrp="1" noRot="1" noChangeAspect="1" noChangeArrowheads="1" noTextEdit="1"/>
           </p:cNvSpPr>
@@ -2692,7 +2724,7 @@
       </p:sp>
       <p:sp>
         <p:nvSpPr>
-          <p:cNvPr id="106500" name="Rectangle 3"/>
+          <p:cNvPr id="107524" name="Rectangle 3"/>
           <p:cNvSpPr>
             <a:spLocks noGrp="1" noChangeArrowheads="1"/>
           </p:cNvSpPr>
@@ -2743,7 +2775,7 @@
       </p:grpSpPr>
       <p:sp>
         <p:nvSpPr>
-          <p:cNvPr id="107522" name="Rectangle 7"/>
+          <p:cNvPr id="108546" name="Rectangle 7"/>
           <p:cNvSpPr>
             <a:spLocks noGrp="1" noChangeArrowheads="1"/>
           </p:cNvSpPr>
@@ -2758,10 +2790,10 @@
           <a:bodyPr/>
           <a:lstStyle/>
           <a:p>
-            <a:fld id="{E78A6234-A000-4868-9491-154516B286D3}" type="slidenum">
+            <a:fld id="{53D70AB1-A8BA-45A5-8527-44E7BF123CF4}" type="slidenum">
               <a:rPr lang="tr-TR" smtClean="0"/>
               <a:pPr/>
-              <a:t>10</a:t>
+              <a:t>12</a:t>
             </a:fld>
             <a:endParaRPr lang="tr-TR" smtClean="0"/>
           </a:p>
@@ -2769,7 +2801,7 @@
       </p:sp>
       <p:sp>
         <p:nvSpPr>
-          <p:cNvPr id="107523" name="Rectangle 2"/>
+          <p:cNvPr id="108547" name="Rectangle 2"/>
           <p:cNvSpPr>
             <a:spLocks noGrp="1" noRot="1" noChangeAspect="1" noChangeArrowheads="1" noTextEdit="1"/>
           </p:cNvSpPr>
@@ -2783,7 +2815,7 @@
       </p:sp>
       <p:sp>
         <p:nvSpPr>
-          <p:cNvPr id="107524" name="Rectangle 3"/>
+          <p:cNvPr id="108548" name="Rectangle 3"/>
           <p:cNvSpPr>
             <a:spLocks noGrp="1" noChangeArrowheads="1"/>
           </p:cNvSpPr>
@@ -2802,7 +2834,7 @@
             <a:pPr eaLnBrk="1" hangingPunct="1"/>
             <a:r>
               <a:rPr lang="tr-TR" smtClean="0"/>
-              <a:t>[1]</a:t>
+              <a:t>[1], son 4 tane için için [2]’ye de bakılabilir...</a:t>
             </a:r>
           </a:p>
         </p:txBody>
@@ -2834,7 +2866,7 @@
       </p:grpSpPr>
       <p:sp>
         <p:nvSpPr>
-          <p:cNvPr id="108546" name="Rectangle 7"/>
+          <p:cNvPr id="7" name="Rectangle 7"/>
           <p:cNvSpPr>
             <a:spLocks noGrp="1" noChangeArrowheads="1"/>
           </p:cNvSpPr>
@@ -2843,57 +2875,111 @@
           </p:nvPr>
         </p:nvSpPr>
         <p:spPr>
-          <a:noFill/>
+          <a:ln/>
         </p:spPr>
         <p:txBody>
           <a:bodyPr/>
           <a:lstStyle/>
           <a:p>
-            <a:fld id="{53D70AB1-A8BA-45A5-8527-44E7BF123CF4}" type="slidenum">
-              <a:rPr lang="tr-TR" smtClean="0"/>
+            <a:fld id="{3C42647A-8AA0-44C5-B547-4A307781316C}" type="slidenum">
+              <a:rPr lang="en-US"/>
               <a:pPr/>
-              <a:t>12</a:t>
+              <a:t>13</a:t>
             </a:fld>
-            <a:endParaRPr lang="tr-TR" smtClean="0"/>
-          </a:p>
-        </p:txBody>
-      </p:sp>
-      <p:sp>
-        <p:nvSpPr>
-          <p:cNvPr id="108547" name="Rectangle 2"/>
-          <p:cNvSpPr>
-            <a:spLocks noGrp="1" noRot="1" noChangeAspect="1" noChangeArrowheads="1" noTextEdit="1"/>
+            <a:endParaRPr lang="en-US"/>
+          </a:p>
+        </p:txBody>
+      </p:sp>
+      <p:sp>
+        <p:nvSpPr>
+          <p:cNvPr id="160770" name="Rectangle 2"/>
+          <p:cNvSpPr>
+            <a:spLocks noChangeArrowheads="1"/>
           </p:cNvSpPr>
           <p:nvPr>
             <p:ph type="sldImg"/>
           </p:nvPr>
         </p:nvSpPr>
-        <p:spPr>
-          <a:ln/>
+        <p:spPr bwMode="auto">
+          <a:xfrm>
+            <a:off x="1143000" y="685800"/>
+            <a:ext cx="4572000" cy="3429000"/>
+          </a:xfrm>
+          <a:prstGeom prst="rect">
+            <a:avLst/>
+          </a:prstGeom>
+          <a:solidFill>
+            <a:srgbClr val="FFFFFF"/>
+          </a:solidFill>
+          <a:ln>
+            <a:solidFill>
+              <a:srgbClr val="000000"/>
+            </a:solidFill>
+            <a:miter lim="800000"/>
+            <a:headEnd/>
+            <a:tailEnd/>
+          </a:ln>
         </p:spPr>
       </p:sp>
       <p:sp>
         <p:nvSpPr>
-          <p:cNvPr id="108548" name="Rectangle 3"/>
-          <p:cNvSpPr>
-            <a:spLocks noGrp="1" noChangeArrowheads="1"/>
+          <p:cNvPr id="160771" name="Rectangle 3"/>
+          <p:cNvSpPr>
+            <a:spLocks noChangeArrowheads="1"/>
           </p:cNvSpPr>
           <p:nvPr>
             <p:ph type="body" idx="1"/>
           </p:nvPr>
         </p:nvSpPr>
-        <p:spPr>
-          <a:noFill/>
-          <a:ln/>
+        <p:spPr bwMode="auto">
+          <a:xfrm>
+            <a:off x="914400" y="4343400"/>
+            <a:ext cx="5029200" cy="4114800"/>
+          </a:xfrm>
+          <a:prstGeom prst="rect">
+            <a:avLst/>
+          </a:prstGeom>
+          <a:solidFill>
+            <a:srgbClr val="FFFFFF"/>
+          </a:solidFill>
+          <a:ln>
+            <a:solidFill>
+              <a:srgbClr val="000000"/>
+            </a:solidFill>
+            <a:miter lim="800000"/>
+            <a:headEnd/>
+            <a:tailEnd/>
+          </a:ln>
         </p:spPr>
         <p:txBody>
           <a:bodyPr/>
           <a:lstStyle/>
           <a:p>
-            <a:pPr eaLnBrk="1" hangingPunct="1"/>
-            <a:r>
-              <a:rPr lang="tr-TR" smtClean="0"/>
-              <a:t>[1], son 4 tane için için [2]’ye de bakılabilir...</a:t>
+            <a:pPr>
+              <a:buFontTx/>
+              <a:buChar char="-"/>
+            </a:pPr>
+            <a:r>
+              <a:rPr lang="en-US" dirty="0"/>
+              <a:t>NL annotations (possibly with rendering annotation) already associated with images (only way </a:t>
+            </a:r>
+            <a:r>
+              <a:rPr lang="en-US" dirty="0" err="1"/>
+              <a:t>google</a:t>
+            </a:r>
+            <a:r>
+              <a:rPr lang="en-US" dirty="0"/>
+              <a:t> can find them)</a:t>
+            </a:r>
+          </a:p>
+          <a:p>
+            <a:pPr>
+              <a:buFontTx/>
+              <a:buChar char="-"/>
+            </a:pPr>
+            <a:r>
+              <a:rPr lang="en-US" dirty="0"/>
+              <a:t>Augment NL with semantic annotation.</a:t>
             </a:r>
           </a:p>
         </p:txBody>
@@ -3088,7 +3174,7 @@
             <a:fld id="{8A8E78E4-B31E-41E5-AE80-BBED7E739417}" type="datetimeFigureOut">
               <a:rPr lang="tr-TR" smtClean="0"/>
               <a:pPr/>
-              <a:t>05.02.2009</a:t>
+              <a:t>20.02.2009</a:t>
             </a:fld>
             <a:endParaRPr lang="tr-TR"/>
           </a:p>
@@ -3255,7 +3341,7 @@
             <a:fld id="{8A8E78E4-B31E-41E5-AE80-BBED7E739417}" type="datetimeFigureOut">
               <a:rPr lang="tr-TR" smtClean="0"/>
               <a:pPr/>
-              <a:t>05.02.2009</a:t>
+              <a:t>20.02.2009</a:t>
             </a:fld>
             <a:endParaRPr lang="tr-TR"/>
           </a:p>
@@ -3432,7 +3518,7 @@
             <a:fld id="{8A8E78E4-B31E-41E5-AE80-BBED7E739417}" type="datetimeFigureOut">
               <a:rPr lang="tr-TR" smtClean="0"/>
               <a:pPr/>
-              <a:t>05.02.2009</a:t>
+              <a:t>20.02.2009</a:t>
             </a:fld>
             <a:endParaRPr lang="tr-TR"/>
           </a:p>
@@ -3857,7 +3943,7 @@
             <a:fld id="{8A8E78E4-B31E-41E5-AE80-BBED7E739417}" type="datetimeFigureOut">
               <a:rPr lang="tr-TR" smtClean="0"/>
               <a:pPr/>
-              <a:t>05.02.2009</a:t>
+              <a:t>20.02.2009</a:t>
             </a:fld>
             <a:endParaRPr lang="tr-TR"/>
           </a:p>
@@ -4100,7 +4186,7 @@
             <a:fld id="{8A8E78E4-B31E-41E5-AE80-BBED7E739417}" type="datetimeFigureOut">
               <a:rPr lang="tr-TR" smtClean="0"/>
               <a:pPr/>
-              <a:t>05.02.2009</a:t>
+              <a:t>20.02.2009</a:t>
             </a:fld>
             <a:endParaRPr lang="tr-TR"/>
           </a:p>
@@ -4385,7 +4471,7 @@
             <a:fld id="{8A8E78E4-B31E-41E5-AE80-BBED7E739417}" type="datetimeFigureOut">
               <a:rPr lang="tr-TR" smtClean="0"/>
               <a:pPr/>
-              <a:t>05.02.2009</a:t>
+              <a:t>20.02.2009</a:t>
             </a:fld>
             <a:endParaRPr lang="tr-TR"/>
           </a:p>
@@ -4804,7 +4890,7 @@
             <a:fld id="{8A8E78E4-B31E-41E5-AE80-BBED7E739417}" type="datetimeFigureOut">
               <a:rPr lang="tr-TR" smtClean="0"/>
               <a:pPr/>
-              <a:t>05.02.2009</a:t>
+              <a:t>20.02.2009</a:t>
             </a:fld>
             <a:endParaRPr lang="tr-TR"/>
           </a:p>
@@ -4919,7 +5005,7 @@
             <a:fld id="{8A8E78E4-B31E-41E5-AE80-BBED7E739417}" type="datetimeFigureOut">
               <a:rPr lang="tr-TR" smtClean="0"/>
               <a:pPr/>
-              <a:t>05.02.2009</a:t>
+              <a:t>20.02.2009</a:t>
             </a:fld>
             <a:endParaRPr lang="tr-TR"/>
           </a:p>
@@ -5011,7 +5097,7 @@
             <a:fld id="{8A8E78E4-B31E-41E5-AE80-BBED7E739417}" type="datetimeFigureOut">
               <a:rPr lang="tr-TR" smtClean="0"/>
               <a:pPr/>
-              <a:t>05.02.2009</a:t>
+              <a:t>20.02.2009</a:t>
             </a:fld>
             <a:endParaRPr lang="tr-TR"/>
           </a:p>
@@ -5285,7 +5371,7 @@
             <a:fld id="{8A8E78E4-B31E-41E5-AE80-BBED7E739417}" type="datetimeFigureOut">
               <a:rPr lang="tr-TR" smtClean="0"/>
               <a:pPr/>
-              <a:t>05.02.2009</a:t>
+              <a:t>20.02.2009</a:t>
             </a:fld>
             <a:endParaRPr lang="tr-TR"/>
           </a:p>
@@ -5535,7 +5621,7 @@
             <a:fld id="{8A8E78E4-B31E-41E5-AE80-BBED7E739417}" type="datetimeFigureOut">
               <a:rPr lang="tr-TR" smtClean="0"/>
               <a:pPr/>
-              <a:t>05.02.2009</a:t>
+              <a:t>20.02.2009</a:t>
             </a:fld>
             <a:endParaRPr lang="tr-TR"/>
           </a:p>
@@ -5745,7 +5831,7 @@
             <a:fld id="{8A8E78E4-B31E-41E5-AE80-BBED7E739417}" type="datetimeFigureOut">
               <a:rPr lang="tr-TR" smtClean="0"/>
               <a:pPr/>
-              <a:t>05.02.2009</a:t>
+              <a:t>20.02.2009</a:t>
             </a:fld>
             <a:endParaRPr lang="tr-TR"/>
           </a:p>
@@ -6135,13 +6221,8 @@
             <a:pPr eaLnBrk="1" hangingPunct="1"/>
             <a:r>
               <a:rPr lang="tr-TR" sz="4000" dirty="0" smtClean="0"/>
-              <a:t>Introduction to Semantic </a:t>
-            </a:r>
-            <a:r>
-              <a:rPr lang="tr-TR" sz="4000" dirty="0" smtClean="0"/>
-              <a:t>Web and Ontologies</a:t>
-            </a:r>
-            <a:endParaRPr lang="tr-TR" sz="4000" dirty="0" smtClean="0"/>
+              <a:t>Introduction to Semantic Web and Ontologies</a:t>
+            </a:r>
           </a:p>
         </p:txBody>
       </p:sp>
@@ -8461,6 +8542,156 @@
 </file>
 
 <file path=ppt/slides/slide13.xml><?xml version="1.0" encoding="utf-8"?>
+<p:sld xmlns:a="http://schemas.openxmlformats.org/drawingml/2006/main" xmlns:r="http://schemas.openxmlformats.org/officeDocument/2006/relationships" xmlns:p="http://schemas.openxmlformats.org/presentationml/2006/main" show="0">
+  <p:cSld>
+    <p:spTree>
+      <p:nvGrpSpPr>
+        <p:cNvPr id="1" name=""/>
+        <p:cNvGrpSpPr/>
+        <p:nvPr/>
+      </p:nvGrpSpPr>
+      <p:grpSpPr>
+        <a:xfrm>
+          <a:off x="0" y="0"/>
+          <a:ext cx="0" cy="0"/>
+          <a:chOff x="0" y="0"/>
+          <a:chExt cx="0" cy="0"/>
+        </a:xfrm>
+      </p:grpSpPr>
+      <p:sp>
+        <p:nvSpPr>
+          <p:cNvPr id="159746" name="Rectangle 2"/>
+          <p:cNvSpPr>
+            <a:spLocks noGrp="1" noChangeArrowheads="1"/>
+          </p:cNvSpPr>
+          <p:nvPr>
+            <p:ph type="title"/>
+          </p:nvPr>
+        </p:nvSpPr>
+        <p:spPr/>
+        <p:txBody>
+          <a:bodyPr/>
+          <a:lstStyle/>
+          <a:p>
+            <a:r>
+              <a:rPr lang="en-US"/>
+              <a:t>What is the (Proposed) Solution?</a:t>
+            </a:r>
+          </a:p>
+        </p:txBody>
+      </p:sp>
+      <p:grpSp>
+        <p:nvGrpSpPr>
+          <p:cNvPr id="2" name="Group 11"/>
+          <p:cNvGrpSpPr>
+            <a:grpSpLocks/>
+          </p:cNvGrpSpPr>
+          <p:nvPr/>
+        </p:nvGrpSpPr>
+        <p:grpSpPr bwMode="auto">
+          <a:xfrm>
+            <a:off x="2057400" y="1752600"/>
+            <a:ext cx="5486400" cy="4710113"/>
+            <a:chOff x="1296" y="1104"/>
+            <a:chExt cx="3456" cy="2967"/>
+          </a:xfrm>
+        </p:grpSpPr>
+        <p:pic>
+          <p:nvPicPr>
+            <p:cNvPr id="159756" name="Picture 12" descr="semweb-6"/>
+            <p:cNvPicPr>
+              <a:picLocks noChangeAspect="1" noChangeArrowheads="1"/>
+            </p:cNvPicPr>
+            <p:nvPr/>
+          </p:nvPicPr>
+          <p:blipFill>
+            <a:blip r:embed="rId3"/>
+            <a:srcRect/>
+            <a:stretch>
+              <a:fillRect/>
+            </a:stretch>
+          </p:blipFill>
+          <p:spPr bwMode="auto">
+            <a:xfrm>
+              <a:off x="1872" y="1104"/>
+              <a:ext cx="2143" cy="2640"/>
+            </a:xfrm>
+            <a:prstGeom prst="rect">
+              <a:avLst/>
+            </a:prstGeom>
+            <a:noFill/>
+          </p:spPr>
+        </p:pic>
+        <p:sp>
+          <p:nvSpPr>
+            <p:cNvPr id="159757" name="Text Box 13"/>
+            <p:cNvSpPr txBox="1">
+              <a:spLocks noChangeArrowheads="1"/>
+            </p:cNvSpPr>
+            <p:nvPr/>
+          </p:nvSpPr>
+          <p:spPr bwMode="auto">
+            <a:xfrm>
+              <a:off x="1296" y="3840"/>
+              <a:ext cx="3456" cy="231"/>
+            </a:xfrm>
+            <a:prstGeom prst="rect">
+              <a:avLst/>
+            </a:prstGeom>
+            <a:noFill/>
+            <a:ln w="9525">
+              <a:noFill/>
+              <a:miter lim="800000"/>
+              <a:headEnd/>
+              <a:tailEnd/>
+            </a:ln>
+          </p:spPr>
+          <p:txBody>
+            <a:bodyPr>
+              <a:spAutoFit/>
+            </a:bodyPr>
+            <a:lstStyle/>
+            <a:p>
+              <a:pPr>
+                <a:spcBef>
+                  <a:spcPct val="50000"/>
+                </a:spcBef>
+              </a:pPr>
+              <a:r>
+                <a:rPr lang="en-US" sz="1800"/>
+                <a:t>Now... </a:t>
+              </a:r>
+              <a:r>
+                <a:rPr lang="en-US" sz="1800" i="1"/>
+                <a:t>that</a:t>
+              </a:r>
+              <a:r>
+                <a:rPr lang="en-US" sz="1800"/>
+                <a:t> should clear up a few things around here</a:t>
+              </a:r>
+            </a:p>
+          </p:txBody>
+        </p:sp>
+      </p:grpSp>
+    </p:spTree>
+  </p:cSld>
+  <p:clrMapOvr>
+    <a:masterClrMapping/>
+  </p:clrMapOvr>
+  <p:transition spd="med">
+    <p:fade/>
+  </p:transition>
+  <p:timing>
+    <p:tnLst>
+      <p:par>
+        <p:cTn id="1" dur="indefinite" restart="never" nodeType="tmRoot"/>
+      </p:par>
+    </p:tnLst>
+  </p:timing>
+</p:sld>
+</file>
+
+<file path=ppt/slides/slide14.xml><?xml version="1.0" encoding="utf-8"?>
 <p:sld xmlns:a="http://schemas.openxmlformats.org/drawingml/2006/main" xmlns:r="http://schemas.openxmlformats.org/officeDocument/2006/relationships" xmlns:p="http://schemas.openxmlformats.org/presentationml/2006/main">
   <p:cSld>
     <p:spTree>
@@ -8518,94 +8749,140 @@
           <a:p>
             <a:pPr eaLnBrk="1" hangingPunct="1"/>
             <a:r>
-              <a:rPr lang="en-GB" sz="1800" smtClean="0">
-                <a:solidFill>
-                  <a:srgbClr val="0033CC"/>
-                </a:solidFill>
-              </a:rPr>
-              <a:t>External agreement</a:t>
-            </a:r>
-            <a:r>
-              <a:rPr lang="en-GB" sz="1800" smtClean="0"/>
-              <a:t> on meaning of annotations</a:t>
+              <a:rPr lang="en-GB" sz="1800" dirty="0" smtClean="0"/>
+              <a:t>External agreement </a:t>
+            </a:r>
+            <a:r>
+              <a:rPr lang="en-GB" sz="1800" dirty="0" smtClean="0"/>
+              <a:t>on meaning of annotations</a:t>
+            </a:r>
+          </a:p>
+          <a:p>
+            <a:pPr lvl="1"/>
+            <a:r>
+              <a:rPr lang="en-GB" sz="1800" dirty="0" smtClean="0">
+                <a:solidFill>
+                  <a:srgbClr val="0070C0"/>
+                </a:solidFill>
+              </a:rPr>
+              <a:t>Agree on the meaning</a:t>
+            </a:r>
+            <a:r>
+              <a:rPr lang="en-GB" sz="1800" dirty="0" smtClean="0"/>
+              <a:t> of a set of annotation tags</a:t>
+            </a:r>
+          </a:p>
+          <a:p>
+            <a:pPr lvl="2"/>
+            <a:r>
+              <a:rPr lang="en-GB" sz="1400" dirty="0" smtClean="0"/>
+              <a:t>E.g</a:t>
+            </a:r>
+            <a:r>
+              <a:rPr lang="en-GB" sz="1400" dirty="0" smtClean="0"/>
+              <a:t>., Dublin Core</a:t>
             </a:r>
           </a:p>
           <a:p>
             <a:pPr lvl="1" eaLnBrk="1" hangingPunct="1"/>
             <a:r>
-              <a:rPr lang="en-GB" sz="1800" smtClean="0"/>
-              <a:t>E.g., Dublin Core</a:t>
-            </a:r>
+              <a:rPr lang="en-GB" sz="1800" dirty="0" smtClean="0"/>
+              <a:t>Problems </a:t>
+            </a:r>
+            <a:r>
+              <a:rPr lang="en-GB" sz="1800" dirty="0" smtClean="0"/>
+              <a:t>with this approach</a:t>
+            </a:r>
+          </a:p>
+          <a:p>
+            <a:pPr lvl="2"/>
+            <a:r>
+              <a:rPr lang="en-US" sz="1800" dirty="0" smtClean="0"/>
+              <a:t>Limited flexibility and extensibility</a:t>
+            </a:r>
+            <a:endParaRPr lang="en-GB" sz="1800" dirty="0" smtClean="0"/>
           </a:p>
           <a:p>
             <a:pPr lvl="2" eaLnBrk="1" hangingPunct="1"/>
             <a:r>
-              <a:rPr lang="en-GB" sz="1800" smtClean="0"/>
-              <a:t>Agree on the meaning of a set of annotation tags</a:t>
-            </a:r>
+              <a:rPr lang="en-GB" sz="1800" dirty="0" smtClean="0"/>
+              <a:t>Limited number of things can be expressed</a:t>
+            </a:r>
+          </a:p>
+          <a:p>
+            <a:pPr eaLnBrk="1" hangingPunct="1"/>
+            <a:r>
+              <a:rPr lang="en-GB" sz="1800" dirty="0" smtClean="0"/>
+              <a:t>Use </a:t>
+            </a:r>
+            <a:r>
+              <a:rPr lang="en-GB" sz="1800" dirty="0" err="1" smtClean="0"/>
+              <a:t>Ontologies</a:t>
+            </a:r>
+            <a:r>
+              <a:rPr lang="en-GB" sz="1800" dirty="0" smtClean="0"/>
+              <a:t> to specify </a:t>
+            </a:r>
+            <a:r>
+              <a:rPr lang="en-GB" sz="1800" dirty="0" smtClean="0"/>
+              <a:t>meaning of </a:t>
+            </a:r>
+            <a:r>
+              <a:rPr lang="en-GB" sz="1800" dirty="0" smtClean="0"/>
+              <a:t>annotations</a:t>
+            </a:r>
+            <a:endParaRPr lang="tr-TR" sz="1800" dirty="0" smtClean="0"/>
+          </a:p>
+          <a:p>
+            <a:pPr lvl="1"/>
+            <a:r>
+              <a:rPr lang="en-US" sz="1800" dirty="0" smtClean="0">
+                <a:solidFill>
+                  <a:srgbClr val="0070C0"/>
+                </a:solidFill>
+              </a:rPr>
+              <a:t>Agree on language </a:t>
+            </a:r>
+            <a:r>
+              <a:rPr lang="en-US" sz="1800" dirty="0" smtClean="0"/>
+              <a:t>used to describe meaning</a:t>
+            </a:r>
+            <a:endParaRPr lang="en-GB" sz="1800" dirty="0" smtClean="0"/>
           </a:p>
           <a:p>
             <a:pPr lvl="1" eaLnBrk="1" hangingPunct="1"/>
             <a:r>
-              <a:rPr lang="en-GB" sz="1800" smtClean="0"/>
-              <a:t>Problems with this approach</a:t>
-            </a:r>
-          </a:p>
-          <a:p>
-            <a:pPr lvl="2" eaLnBrk="1" hangingPunct="1"/>
-            <a:r>
-              <a:rPr lang="en-GB" sz="1800" smtClean="0"/>
-              <a:t>Inflexible</a:t>
-            </a:r>
-          </a:p>
-          <a:p>
-            <a:pPr lvl="2" eaLnBrk="1" hangingPunct="1"/>
-            <a:r>
-              <a:rPr lang="en-GB" sz="1800" smtClean="0"/>
-              <a:t>Limited number of things can be expressed</a:t>
-            </a:r>
-          </a:p>
-          <a:p>
-            <a:pPr eaLnBrk="1" hangingPunct="1"/>
-            <a:r>
-              <a:rPr lang="en-GB" sz="1800" smtClean="0"/>
-              <a:t>Use </a:t>
-            </a:r>
-            <a:r>
-              <a:rPr lang="en-GB" sz="1800" smtClean="0">
-                <a:solidFill>
-                  <a:srgbClr val="0033CC"/>
-                </a:solidFill>
-              </a:rPr>
+              <a:rPr lang="en-GB" sz="1800" dirty="0" err="1" smtClean="0"/>
               <a:t>Ontologies</a:t>
             </a:r>
             <a:r>
-              <a:rPr lang="en-GB" sz="1800" smtClean="0"/>
-              <a:t> to specify meaning of annotations</a:t>
-            </a:r>
-          </a:p>
-          <a:p>
-            <a:pPr lvl="1" eaLnBrk="1" hangingPunct="1"/>
-            <a:r>
-              <a:rPr lang="en-GB" sz="1800" smtClean="0"/>
-              <a:t>Ontologies provide a vocabulary of terms</a:t>
-            </a:r>
-          </a:p>
-          <a:p>
-            <a:pPr lvl="1" eaLnBrk="1" hangingPunct="1"/>
-            <a:r>
-              <a:rPr lang="en-GB" sz="1800" smtClean="0"/>
-              <a:t>New terms can be formed by combining existing ones</a:t>
-            </a:r>
-          </a:p>
-          <a:p>
-            <a:pPr lvl="1" eaLnBrk="1" hangingPunct="1"/>
-            <a:r>
-              <a:rPr lang="en-GB" sz="1800" smtClean="0"/>
+              <a:rPr lang="en-GB" sz="1800" dirty="0" smtClean="0"/>
+              <a:t> provide a vocabulary of terms</a:t>
+            </a:r>
+          </a:p>
+          <a:p>
+            <a:pPr lvl="2"/>
+            <a:r>
+              <a:rPr lang="en-GB" sz="1800" dirty="0" smtClean="0"/>
+              <a:t>New </a:t>
+            </a:r>
+            <a:r>
+              <a:rPr lang="en-GB" sz="1800" dirty="0" smtClean="0"/>
+              <a:t>terms </a:t>
+            </a:r>
+            <a:r>
+              <a:rPr lang="en-GB" sz="1800" dirty="0" smtClean="0"/>
+              <a:t>can be formed by combining existing ones</a:t>
+            </a:r>
+          </a:p>
+          <a:p>
+            <a:pPr lvl="2"/>
+            <a:r>
+              <a:rPr lang="en-GB" sz="1800" dirty="0" smtClean="0"/>
               <a:t>Meaning (</a:t>
             </a:r>
             <a:r>
-              <a:rPr lang="en-GB" sz="1800" smtClean="0">
+              <a:rPr lang="en-GB" sz="1800" dirty="0" smtClean="0">
                 <a:solidFill>
                   <a:schemeClr val="accent2"/>
                 </a:solidFill>
@@ -8613,17 +8890,21 @@
               <a:t>semantics</a:t>
             </a:r>
             <a:r>
-              <a:rPr lang="en-GB" sz="1800" smtClean="0"/>
+              <a:rPr lang="en-GB" sz="1800" dirty="0" smtClean="0"/>
               <a:t>) of such terms is formally specified</a:t>
             </a:r>
           </a:p>
           <a:p>
-            <a:pPr lvl="1" eaLnBrk="1" hangingPunct="1"/>
-            <a:r>
-              <a:rPr lang="en-GB" sz="1800" smtClean="0"/>
-              <a:t>Can also specify relationships between terms in multiple ontologies</a:t>
-            </a:r>
-            <a:endParaRPr lang="en-US" sz="1800" smtClean="0"/>
+            <a:pPr lvl="2"/>
+            <a:r>
+              <a:rPr lang="en-GB" sz="1800" dirty="0" smtClean="0"/>
+              <a:t>Can also specify relationships between terms in multiple </a:t>
+            </a:r>
+            <a:r>
+              <a:rPr lang="en-GB" sz="1800" dirty="0" err="1" smtClean="0"/>
+              <a:t>ontologies</a:t>
+            </a:r>
+            <a:endParaRPr lang="en-US" sz="1800" dirty="0" smtClean="0"/>
           </a:p>
         </p:txBody>
       </p:sp>
@@ -9012,6 +9293,37 @@
                                   </p:childTnLst>
                                 </p:cTn>
                               </p:par>
+                              <p:par>
+                                <p:cTn id="29" presetID="1" presetClass="entr" presetSubtype="0" fill="hold" grpId="0" nodeType="withEffect">
+                                  <p:stCondLst>
+                                    <p:cond delay="0"/>
+                                  </p:stCondLst>
+                                  <p:childTnLst>
+                                    <p:set>
+                                      <p:cBhvr>
+                                        <p:cTn id="30" dur="1" fill="hold">
+                                          <p:stCondLst>
+                                            <p:cond delay="0"/>
+                                          </p:stCondLst>
+                                        </p:cTn>
+                                        <p:tgtEl>
+                                          <p:spTgt spid="31747">
+                                            <p:txEl>
+                                              <p:pRg st="11" end="11"/>
+                                            </p:txEl>
+                                          </p:spTgt>
+                                        </p:tgtEl>
+                                        <p:attrNameLst>
+                                          <p:attrName>style.visibility</p:attrName>
+                                        </p:attrNameLst>
+                                      </p:cBhvr>
+                                      <p:to>
+                                        <p:strVal val="visible"/>
+                                      </p:to>
+                                    </p:set>
+                                  </p:childTnLst>
+                                </p:cTn>
+                              </p:par>
                             </p:childTnLst>
                           </p:cTn>
                         </p:par>
@@ -9046,7 +9358,7 @@
 </p:sld>
 </file>
 
-<file path=ppt/slides/slide14.xml><?xml version="1.0" encoding="utf-8"?>
+<file path=ppt/slides/slide15.xml><?xml version="1.0" encoding="utf-8"?>
 <p:sld xmlns:a="http://schemas.openxmlformats.org/drawingml/2006/main" xmlns:r="http://schemas.openxmlformats.org/officeDocument/2006/relationships" xmlns:p="http://schemas.openxmlformats.org/presentationml/2006/main">
   <p:cSld>
     <p:spTree>
@@ -9083,7 +9395,7 @@
             <a:fld id="{6E6E54C8-0D9C-43A7-8CE5-B5E9D7A45A7D}" type="slidenum">
               <a:rPr lang="tr-TR" smtClean="0"/>
               <a:pPr/>
-              <a:t>14</a:t>
+              <a:t>15</a:t>
             </a:fld>
             <a:endParaRPr lang="tr-TR" smtClean="0"/>
           </a:p>
@@ -9280,7 +9592,7 @@
 </p:sld>
 </file>
 
-<file path=ppt/slides/slide15.xml><?xml version="1.0" encoding="utf-8"?>
+<file path=ppt/slides/slide16.xml><?xml version="1.0" encoding="utf-8"?>
 <p:sld xmlns:a="http://schemas.openxmlformats.org/drawingml/2006/main" xmlns:r="http://schemas.openxmlformats.org/officeDocument/2006/relationships" xmlns:p="http://schemas.openxmlformats.org/presentationml/2006/main">
   <p:cSld>
     <p:spTree>
@@ -9317,7 +9629,7 @@
             <a:fld id="{AA335071-A361-4ABD-BC2C-2DBCBE4152D9}" type="slidenum">
               <a:rPr lang="tr-TR" smtClean="0"/>
               <a:pPr/>
-              <a:t>15</a:t>
+              <a:t>16</a:t>
             </a:fld>
             <a:endParaRPr lang="tr-TR" smtClean="0"/>
           </a:p>
@@ -9571,7 +9883,7 @@
 </p:sld>
 </file>
 
-<file path=ppt/slides/slide16.xml><?xml version="1.0" encoding="utf-8"?>
+<file path=ppt/slides/slide17.xml><?xml version="1.0" encoding="utf-8"?>
 <p:sld xmlns:a="http://schemas.openxmlformats.org/drawingml/2006/main" xmlns:r="http://schemas.openxmlformats.org/officeDocument/2006/relationships" xmlns:p="http://schemas.openxmlformats.org/presentationml/2006/main" show="0">
   <p:cSld>
     <p:spTree>
@@ -10509,7 +10821,7 @@
 </p:sld>
 </file>
 
-<file path=ppt/slides/slide17.xml><?xml version="1.0" encoding="utf-8"?>
+<file path=ppt/slides/slide18.xml><?xml version="1.0" encoding="utf-8"?>
 <p:sld xmlns:a="http://schemas.openxmlformats.org/drawingml/2006/main" xmlns:r="http://schemas.openxmlformats.org/officeDocument/2006/relationships" xmlns:p="http://schemas.openxmlformats.org/presentationml/2006/main">
   <p:cSld>
     <p:spTree>
@@ -10990,7 +11302,7 @@
 </p:sld>
 </file>
 
-<file path=ppt/slides/slide18.xml><?xml version="1.0" encoding="utf-8"?>
+<file path=ppt/slides/slide19.xml><?xml version="1.0" encoding="utf-8"?>
 <p:sld xmlns:a="http://schemas.openxmlformats.org/drawingml/2006/main" xmlns:r="http://schemas.openxmlformats.org/officeDocument/2006/relationships" xmlns:p="http://schemas.openxmlformats.org/presentationml/2006/main">
   <p:cSld>
     <p:spTree>
@@ -12306,7 +12618,145 @@
 </p:sld>
 </file>
 
-<file path=ppt/slides/slide19.xml><?xml version="1.0" encoding="utf-8"?>
+<file path=ppt/slides/slide2.xml><?xml version="1.0" encoding="utf-8"?>
+<p:sld xmlns:a="http://schemas.openxmlformats.org/drawingml/2006/main" xmlns:r="http://schemas.openxmlformats.org/officeDocument/2006/relationships" xmlns:p="http://schemas.openxmlformats.org/presentationml/2006/main">
+  <p:cSld>
+    <p:spTree>
+      <p:nvGrpSpPr>
+        <p:cNvPr id="1" name=""/>
+        <p:cNvGrpSpPr/>
+        <p:nvPr/>
+      </p:nvGrpSpPr>
+      <p:grpSpPr>
+        <a:xfrm>
+          <a:off x="0" y="0"/>
+          <a:ext cx="0" cy="0"/>
+          <a:chOff x="0" y="0"/>
+          <a:chExt cx="0" cy="0"/>
+        </a:xfrm>
+      </p:grpSpPr>
+      <p:sp>
+        <p:nvSpPr>
+          <p:cNvPr id="3074" name="Rectangle 2"/>
+          <p:cNvSpPr>
+            <a:spLocks noGrp="1" noChangeArrowheads="1"/>
+          </p:cNvSpPr>
+          <p:nvPr>
+            <p:ph type="ctrTitle"/>
+          </p:nvPr>
+        </p:nvSpPr>
+        <p:spPr/>
+        <p:txBody>
+          <a:bodyPr/>
+          <a:lstStyle/>
+          <a:p>
+            <a:pPr eaLnBrk="1" hangingPunct="1"/>
+            <a:r>
+              <a:rPr lang="tr-TR" sz="4000" dirty="0" smtClean="0"/>
+              <a:t>Introduction to Semantic Web</a:t>
+            </a:r>
+          </a:p>
+        </p:txBody>
+      </p:sp>
+      <p:sp>
+        <p:nvSpPr>
+          <p:cNvPr id="3075" name="Rectangle 3"/>
+          <p:cNvSpPr>
+            <a:spLocks noGrp="1" noChangeArrowheads="1"/>
+          </p:cNvSpPr>
+          <p:nvPr>
+            <p:ph type="subTitle" idx="1"/>
+          </p:nvPr>
+        </p:nvSpPr>
+        <p:spPr>
+          <a:xfrm>
+            <a:off x="1371600" y="4419600"/>
+            <a:ext cx="6400800" cy="1600200"/>
+          </a:xfrm>
+        </p:spPr>
+        <p:txBody>
+          <a:bodyPr/>
+          <a:lstStyle/>
+          <a:p>
+            <a:pPr eaLnBrk="1" hangingPunct="1"/>
+            <a:r>
+              <a:rPr lang="en-US" altLang="ko-KR" sz="1800" smtClean="0">
+                <a:ea typeface="Gulim" pitchFamily="34" charset="-127"/>
+              </a:rPr>
+              <a:t>Based on tutorials and presentations:</a:t>
+            </a:r>
+          </a:p>
+          <a:p>
+            <a:pPr eaLnBrk="1" hangingPunct="1"/>
+            <a:r>
+              <a:rPr lang="en-US" altLang="ko-KR" sz="1800" smtClean="0">
+                <a:solidFill>
+                  <a:srgbClr val="993300"/>
+                </a:solidFill>
+                <a:ea typeface="Gulim" pitchFamily="34" charset="-127"/>
+              </a:rPr>
+              <a:t>D. Lee, </a:t>
+            </a:r>
+            <a:r>
+              <a:rPr lang="en-US" sz="1800" smtClean="0">
+                <a:solidFill>
+                  <a:srgbClr val="993300"/>
+                </a:solidFill>
+              </a:rPr>
+              <a:t>F. Harmelen, M. Arumugam, C. Goble, I. Horrocks, N. F. Noy, D.L. McGuinness, </a:t>
+            </a:r>
+            <a:r>
+              <a:rPr lang="en-GB" sz="1800" smtClean="0">
+                <a:solidFill>
+                  <a:srgbClr val="993300"/>
+                </a:solidFill>
+              </a:rPr>
+              <a:t>J. Broekstra, M. Klein, S. Decker, D. Fensel, DERI Group, </a:t>
+            </a:r>
+            <a:r>
+              <a:rPr lang="en-US" sz="1800" smtClean="0">
+                <a:solidFill>
+                  <a:srgbClr val="993300"/>
+                </a:solidFill>
+              </a:rPr>
+              <a:t>H. Knublauch,</a:t>
+            </a:r>
+          </a:p>
+          <a:p>
+            <a:pPr eaLnBrk="1" hangingPunct="1"/>
+            <a:r>
+              <a:rPr lang="en-GB" sz="1800" smtClean="0">
+                <a:solidFill>
+                  <a:srgbClr val="993300"/>
+                </a:solidFill>
+              </a:rPr>
+              <a:t>N. Drummond, M. Horridge</a:t>
+            </a:r>
+            <a:endParaRPr lang="en-US" altLang="ko-KR" sz="1800" smtClean="0">
+              <a:solidFill>
+                <a:srgbClr val="993300"/>
+              </a:solidFill>
+              <a:ea typeface="Gulim" pitchFamily="34" charset="-127"/>
+            </a:endParaRPr>
+          </a:p>
+        </p:txBody>
+      </p:sp>
+    </p:spTree>
+  </p:cSld>
+  <p:clrMapOvr>
+    <a:masterClrMapping/>
+  </p:clrMapOvr>
+  <p:timing>
+    <p:tnLst>
+      <p:par>
+        <p:cTn id="1" dur="indefinite" restart="never" nodeType="tmRoot"/>
+      </p:par>
+    </p:tnLst>
+  </p:timing>
+</p:sld>
+</file>
+
+<file path=ppt/slides/slide20.xml><?xml version="1.0" encoding="utf-8"?>
 <p:sld xmlns:a="http://schemas.openxmlformats.org/drawingml/2006/main" xmlns:r="http://schemas.openxmlformats.org/officeDocument/2006/relationships" xmlns:p="http://schemas.openxmlformats.org/presentationml/2006/main">
   <p:cSld>
     <p:spTree>
@@ -13093,150 +13543,7 @@
 </p:sld>
 </file>
 
-<file path=ppt/slides/slide2.xml><?xml version="1.0" encoding="utf-8"?>
-<p:sld xmlns:a="http://schemas.openxmlformats.org/drawingml/2006/main" xmlns:r="http://schemas.openxmlformats.org/officeDocument/2006/relationships" xmlns:p="http://schemas.openxmlformats.org/presentationml/2006/main">
-  <p:cSld>
-    <p:spTree>
-      <p:nvGrpSpPr>
-        <p:cNvPr id="1" name=""/>
-        <p:cNvGrpSpPr/>
-        <p:nvPr/>
-      </p:nvGrpSpPr>
-      <p:grpSpPr>
-        <a:xfrm>
-          <a:off x="0" y="0"/>
-          <a:ext cx="0" cy="0"/>
-          <a:chOff x="0" y="0"/>
-          <a:chExt cx="0" cy="0"/>
-        </a:xfrm>
-      </p:grpSpPr>
-      <p:sp>
-        <p:nvSpPr>
-          <p:cNvPr id="3074" name="Rectangle 2"/>
-          <p:cNvSpPr>
-            <a:spLocks noGrp="1" noChangeArrowheads="1"/>
-          </p:cNvSpPr>
-          <p:nvPr>
-            <p:ph type="ctrTitle"/>
-          </p:nvPr>
-        </p:nvSpPr>
-        <p:spPr/>
-        <p:txBody>
-          <a:bodyPr/>
-          <a:lstStyle/>
-          <a:p>
-            <a:pPr eaLnBrk="1" hangingPunct="1"/>
-            <a:r>
-              <a:rPr lang="tr-TR" sz="4000" dirty="0" smtClean="0"/>
-              <a:t>Introduction to </a:t>
-            </a:r>
-            <a:r>
-              <a:rPr lang="tr-TR" sz="4000" dirty="0" smtClean="0"/>
-              <a:t>Semantic Web</a:t>
-            </a:r>
-            <a:endParaRPr lang="tr-TR" sz="4000" dirty="0" smtClean="0"/>
-          </a:p>
-        </p:txBody>
-      </p:sp>
-      <p:sp>
-        <p:nvSpPr>
-          <p:cNvPr id="3075" name="Rectangle 3"/>
-          <p:cNvSpPr>
-            <a:spLocks noGrp="1" noChangeArrowheads="1"/>
-          </p:cNvSpPr>
-          <p:nvPr>
-            <p:ph type="subTitle" idx="1"/>
-          </p:nvPr>
-        </p:nvSpPr>
-        <p:spPr>
-          <a:xfrm>
-            <a:off x="1371600" y="4419600"/>
-            <a:ext cx="6400800" cy="1600200"/>
-          </a:xfrm>
-        </p:spPr>
-        <p:txBody>
-          <a:bodyPr/>
-          <a:lstStyle/>
-          <a:p>
-            <a:pPr eaLnBrk="1" hangingPunct="1"/>
-            <a:r>
-              <a:rPr lang="en-US" altLang="ko-KR" sz="1800" smtClean="0">
-                <a:ea typeface="Gulim" pitchFamily="34" charset="-127"/>
-              </a:rPr>
-              <a:t>Based on tutorials and presentations:</a:t>
-            </a:r>
-          </a:p>
-          <a:p>
-            <a:pPr eaLnBrk="1" hangingPunct="1"/>
-            <a:r>
-              <a:rPr lang="en-US" altLang="ko-KR" sz="1800" smtClean="0">
-                <a:solidFill>
-                  <a:srgbClr val="993300"/>
-                </a:solidFill>
-                <a:ea typeface="Gulim" pitchFamily="34" charset="-127"/>
-              </a:rPr>
-              <a:t>D. Lee, </a:t>
-            </a:r>
-            <a:r>
-              <a:rPr lang="en-US" sz="1800" smtClean="0">
-                <a:solidFill>
-                  <a:srgbClr val="993300"/>
-                </a:solidFill>
-              </a:rPr>
-              <a:t>F. Harmelen, M. Arumugam, C. Goble, I. Horrocks, N. F. Noy, D.L. McGuinness, </a:t>
-            </a:r>
-            <a:r>
-              <a:rPr lang="en-GB" sz="1800" smtClean="0">
-                <a:solidFill>
-                  <a:srgbClr val="993300"/>
-                </a:solidFill>
-              </a:rPr>
-              <a:t>J. Broekstra, M. Klein, S. Decker, D. Fensel, DERI Group, </a:t>
-            </a:r>
-            <a:r>
-              <a:rPr lang="en-US" sz="1800" smtClean="0">
-                <a:solidFill>
-                  <a:srgbClr val="993300"/>
-                </a:solidFill>
-              </a:rPr>
-              <a:t>H. Knublauch,</a:t>
-            </a:r>
-          </a:p>
-          <a:p>
-            <a:pPr eaLnBrk="1" hangingPunct="1"/>
-            <a:r>
-              <a:rPr lang="en-GB" sz="1800" smtClean="0">
-                <a:solidFill>
-                  <a:srgbClr val="993300"/>
-                </a:solidFill>
-              </a:rPr>
-              <a:t>N. Drummond, M. Horridge</a:t>
-            </a:r>
-            <a:endParaRPr lang="en-US" altLang="ko-KR" sz="1800" smtClean="0">
-              <a:solidFill>
-                <a:srgbClr val="993300"/>
-              </a:solidFill>
-              <a:ea typeface="Gulim" pitchFamily="34" charset="-127"/>
-            </a:endParaRPr>
-          </a:p>
-        </p:txBody>
-      </p:sp>
-    </p:spTree>
-  </p:cSld>
-  <p:clrMapOvr>
-    <a:masterClrMapping/>
-  </p:clrMapOvr>
-  <p:timing>
-    <p:tnLst>
-      <p:par>
-        <p:cTn id="1" dur="indefinite" restart="never" nodeType="tmRoot"/>
-      </p:par>
-    </p:tnLst>
-  </p:timing>
-</p:sld>
-</file>
-
-<file path=ppt/slides/slide20.xml><?xml version="1.0" encoding="utf-8"?>
+<file path=ppt/slides/slide21.xml><?xml version="1.0" encoding="utf-8"?>
 <p:sld xmlns:a="http://schemas.openxmlformats.org/drawingml/2006/main" xmlns:r="http://schemas.openxmlformats.org/officeDocument/2006/relationships" xmlns:p="http://schemas.openxmlformats.org/presentationml/2006/main">
   <p:cSld>
     <p:spTree>
@@ -13402,7 +13709,7 @@
 </p:sld>
 </file>
 
-<file path=ppt/slides/slide21.xml><?xml version="1.0" encoding="utf-8"?>
+<file path=ppt/slides/slide22.xml><?xml version="1.0" encoding="utf-8"?>
 <p:sld xmlns:a="http://schemas.openxmlformats.org/drawingml/2006/main" xmlns:r="http://schemas.openxmlformats.org/officeDocument/2006/relationships" xmlns:p="http://schemas.openxmlformats.org/presentationml/2006/main">
   <p:cSld>
     <p:spTree>
@@ -13851,7 +14158,7 @@
 </p:sld>
 </file>
 
-<file path=ppt/slides/slide22.xml><?xml version="1.0" encoding="utf-8"?>
+<file path=ppt/slides/slide23.xml><?xml version="1.0" encoding="utf-8"?>
 <p:sld xmlns:a="http://schemas.openxmlformats.org/drawingml/2006/main" xmlns:r="http://schemas.openxmlformats.org/officeDocument/2006/relationships" xmlns:p="http://schemas.openxmlformats.org/presentationml/2006/main">
   <p:cSld>
     <p:spTree>
@@ -14215,187 +14522,6 @@
               </a:rPr>
               <a:t> </a:t>
             </a:r>
-          </a:p>
-        </p:txBody>
-      </p:sp>
-    </p:spTree>
-  </p:cSld>
-  <p:clrMapOvr>
-    <a:masterClrMapping/>
-  </p:clrMapOvr>
-</p:sld>
-</file>
-
-<file path=ppt/slides/slide23.xml><?xml version="1.0" encoding="utf-8"?>
-<p:sld xmlns:a="http://schemas.openxmlformats.org/drawingml/2006/main" xmlns:r="http://schemas.openxmlformats.org/officeDocument/2006/relationships" xmlns:p="http://schemas.openxmlformats.org/presentationml/2006/main">
-  <p:cSld>
-    <p:spTree>
-      <p:nvGrpSpPr>
-        <p:cNvPr id="1" name=""/>
-        <p:cNvGrpSpPr/>
-        <p:nvPr/>
-      </p:nvGrpSpPr>
-      <p:grpSpPr>
-        <a:xfrm>
-          <a:off x="0" y="0"/>
-          <a:ext cx="0" cy="0"/>
-          <a:chOff x="0" y="0"/>
-          <a:chExt cx="0" cy="0"/>
-        </a:xfrm>
-      </p:grpSpPr>
-      <p:sp>
-        <p:nvSpPr>
-          <p:cNvPr id="24578" name="Rectangle 2"/>
-          <p:cNvSpPr>
-            <a:spLocks noGrp="1" noChangeArrowheads="1"/>
-          </p:cNvSpPr>
-          <p:nvPr>
-            <p:ph type="title"/>
-          </p:nvPr>
-        </p:nvSpPr>
-        <p:spPr>
-          <a:xfrm>
-            <a:off x="444500" y="12700"/>
-            <a:ext cx="7772400" cy="608013"/>
-          </a:xfrm>
-        </p:spPr>
-        <p:txBody>
-          <a:bodyPr>
-            <a:normAutofit fontScale="90000"/>
-          </a:bodyPr>
-          <a:lstStyle/>
-          <a:p>
-            <a:pPr eaLnBrk="1" hangingPunct="1"/>
-            <a:r>
-              <a:rPr lang="en-GB" sz="4000" smtClean="0"/>
-              <a:t>What is RDFS ?</a:t>
-            </a:r>
-          </a:p>
-        </p:txBody>
-      </p:sp>
-      <p:sp>
-        <p:nvSpPr>
-          <p:cNvPr id="24579" name="Rectangle 3"/>
-          <p:cNvSpPr>
-            <a:spLocks noGrp="1" noChangeArrowheads="1"/>
-          </p:cNvSpPr>
-          <p:nvPr>
-            <p:ph type="body" idx="1"/>
-          </p:nvPr>
-        </p:nvSpPr>
-        <p:spPr>
-          <a:xfrm>
-            <a:off x="381000" y="1676400"/>
-            <a:ext cx="8512175" cy="4114800"/>
-          </a:xfrm>
-        </p:spPr>
-        <p:txBody>
-          <a:bodyPr/>
-          <a:lstStyle/>
-          <a:p>
-            <a:pPr eaLnBrk="1" hangingPunct="1"/>
-            <a:r>
-              <a:rPr lang="en-US" smtClean="0">
-                <a:solidFill>
-                  <a:schemeClr val="tx2"/>
-                </a:solidFill>
-              </a:rPr>
-              <a:t>RDF Schema</a:t>
-            </a:r>
-            <a:r>
-              <a:rPr lang="en-US" smtClean="0">
-                <a:solidFill>
-                  <a:srgbClr val="00476E"/>
-                </a:solidFill>
-              </a:rPr>
-              <a:t> </a:t>
-            </a:r>
-          </a:p>
-          <a:p>
-            <a:pPr lvl="1" eaLnBrk="1" hangingPunct="1"/>
-            <a:r>
-              <a:rPr lang="en-US" smtClean="0">
-                <a:solidFill>
-                  <a:schemeClr val="tx2"/>
-                </a:solidFill>
-              </a:rPr>
-              <a:t>Defines vocabulary for RDF</a:t>
-            </a:r>
-          </a:p>
-          <a:p>
-            <a:pPr lvl="1" eaLnBrk="1" hangingPunct="1"/>
-            <a:r>
-              <a:rPr lang="en-US" smtClean="0">
-                <a:solidFill>
-                  <a:schemeClr val="tx2"/>
-                </a:solidFill>
-              </a:rPr>
-              <a:t>Organizes this vocabulary in a typed hierarchy</a:t>
-            </a:r>
-            <a:r>
-              <a:rPr lang="en-US" smtClean="0">
-                <a:solidFill>
-                  <a:srgbClr val="00476E"/>
-                </a:solidFill>
-              </a:rPr>
-              <a:t> </a:t>
-            </a:r>
-            <a:r>
-              <a:rPr lang="en-US" smtClean="0">
-                <a:solidFill>
-                  <a:schemeClr val="tx2"/>
-                </a:solidFill>
-              </a:rPr>
-              <a:t>(</a:t>
-            </a:r>
-            <a:r>
-              <a:rPr lang="en-US" sz="2400" smtClean="0">
-                <a:solidFill>
-                  <a:srgbClr val="0000CC"/>
-                </a:solidFill>
-              </a:rPr>
-              <a:t>Class, subClassOf, type, Property, subPropertyOf</a:t>
-            </a:r>
-            <a:r>
-              <a:rPr lang="en-US" smtClean="0">
-                <a:solidFill>
-                  <a:schemeClr val="tx2"/>
-                </a:solidFill>
-              </a:rPr>
-              <a:t>)</a:t>
-            </a:r>
-            <a:endParaRPr lang="en-US" smtClean="0">
-              <a:solidFill>
-                <a:srgbClr val="00476E"/>
-              </a:solidFill>
-            </a:endParaRPr>
-          </a:p>
-          <a:p>
-            <a:pPr eaLnBrk="1" hangingPunct="1"/>
-            <a:r>
-              <a:rPr lang="en-US" sz="2800" smtClean="0">
-                <a:solidFill>
-                  <a:schemeClr val="tx2"/>
-                </a:solidFill>
-              </a:rPr>
-              <a:t>Rich, web-based publication format for declaring semantics (XML for exchange)</a:t>
-            </a:r>
-          </a:p>
-          <a:p>
-            <a:pPr eaLnBrk="1" hangingPunct="1"/>
-            <a:r>
-              <a:rPr lang="en-US" sz="2800" smtClean="0">
-                <a:solidFill>
-                  <a:schemeClr val="tx2"/>
-                </a:solidFill>
-              </a:rPr>
-              <a:t>Capability to explicitly declare semantic relations between vocabulary terms</a:t>
-            </a:r>
-            <a:endParaRPr lang="en-GB" sz="2800" smtClean="0">
-              <a:solidFill>
-                <a:schemeClr val="tx2"/>
-              </a:solidFill>
-            </a:endParaRPr>
           </a:p>
         </p:txBody>
       </p:sp>
@@ -14426,6 +14552,187 @@
       </p:grpSpPr>
       <p:sp>
         <p:nvSpPr>
+          <p:cNvPr id="24578" name="Rectangle 2"/>
+          <p:cNvSpPr>
+            <a:spLocks noGrp="1" noChangeArrowheads="1"/>
+          </p:cNvSpPr>
+          <p:nvPr>
+            <p:ph type="title"/>
+          </p:nvPr>
+        </p:nvSpPr>
+        <p:spPr>
+          <a:xfrm>
+            <a:off x="444500" y="12700"/>
+            <a:ext cx="7772400" cy="608013"/>
+          </a:xfrm>
+        </p:spPr>
+        <p:txBody>
+          <a:bodyPr>
+            <a:normAutofit fontScale="90000"/>
+          </a:bodyPr>
+          <a:lstStyle/>
+          <a:p>
+            <a:pPr eaLnBrk="1" hangingPunct="1"/>
+            <a:r>
+              <a:rPr lang="en-GB" sz="4000" smtClean="0"/>
+              <a:t>What is RDFS ?</a:t>
+            </a:r>
+          </a:p>
+        </p:txBody>
+      </p:sp>
+      <p:sp>
+        <p:nvSpPr>
+          <p:cNvPr id="24579" name="Rectangle 3"/>
+          <p:cNvSpPr>
+            <a:spLocks noGrp="1" noChangeArrowheads="1"/>
+          </p:cNvSpPr>
+          <p:nvPr>
+            <p:ph type="body" idx="1"/>
+          </p:nvPr>
+        </p:nvSpPr>
+        <p:spPr>
+          <a:xfrm>
+            <a:off x="381000" y="1676400"/>
+            <a:ext cx="8512175" cy="4114800"/>
+          </a:xfrm>
+        </p:spPr>
+        <p:txBody>
+          <a:bodyPr/>
+          <a:lstStyle/>
+          <a:p>
+            <a:pPr eaLnBrk="1" hangingPunct="1"/>
+            <a:r>
+              <a:rPr lang="en-US" smtClean="0">
+                <a:solidFill>
+                  <a:schemeClr val="tx2"/>
+                </a:solidFill>
+              </a:rPr>
+              <a:t>RDF Schema</a:t>
+            </a:r>
+            <a:r>
+              <a:rPr lang="en-US" smtClean="0">
+                <a:solidFill>
+                  <a:srgbClr val="00476E"/>
+                </a:solidFill>
+              </a:rPr>
+              <a:t> </a:t>
+            </a:r>
+          </a:p>
+          <a:p>
+            <a:pPr lvl="1" eaLnBrk="1" hangingPunct="1"/>
+            <a:r>
+              <a:rPr lang="en-US" smtClean="0">
+                <a:solidFill>
+                  <a:schemeClr val="tx2"/>
+                </a:solidFill>
+              </a:rPr>
+              <a:t>Defines vocabulary for RDF</a:t>
+            </a:r>
+          </a:p>
+          <a:p>
+            <a:pPr lvl="1" eaLnBrk="1" hangingPunct="1"/>
+            <a:r>
+              <a:rPr lang="en-US" smtClean="0">
+                <a:solidFill>
+                  <a:schemeClr val="tx2"/>
+                </a:solidFill>
+              </a:rPr>
+              <a:t>Organizes this vocabulary in a typed hierarchy</a:t>
+            </a:r>
+            <a:r>
+              <a:rPr lang="en-US" smtClean="0">
+                <a:solidFill>
+                  <a:srgbClr val="00476E"/>
+                </a:solidFill>
+              </a:rPr>
+              <a:t> </a:t>
+            </a:r>
+            <a:r>
+              <a:rPr lang="en-US" smtClean="0">
+                <a:solidFill>
+                  <a:schemeClr val="tx2"/>
+                </a:solidFill>
+              </a:rPr>
+              <a:t>(</a:t>
+            </a:r>
+            <a:r>
+              <a:rPr lang="en-US" sz="2400" smtClean="0">
+                <a:solidFill>
+                  <a:srgbClr val="0000CC"/>
+                </a:solidFill>
+              </a:rPr>
+              <a:t>Class, subClassOf, type, Property, subPropertyOf</a:t>
+            </a:r>
+            <a:r>
+              <a:rPr lang="en-US" smtClean="0">
+                <a:solidFill>
+                  <a:schemeClr val="tx2"/>
+                </a:solidFill>
+              </a:rPr>
+              <a:t>)</a:t>
+            </a:r>
+            <a:endParaRPr lang="en-US" smtClean="0">
+              <a:solidFill>
+                <a:srgbClr val="00476E"/>
+              </a:solidFill>
+            </a:endParaRPr>
+          </a:p>
+          <a:p>
+            <a:pPr eaLnBrk="1" hangingPunct="1"/>
+            <a:r>
+              <a:rPr lang="en-US" sz="2800" smtClean="0">
+                <a:solidFill>
+                  <a:schemeClr val="tx2"/>
+                </a:solidFill>
+              </a:rPr>
+              <a:t>Rich, web-based publication format for declaring semantics (XML for exchange)</a:t>
+            </a:r>
+          </a:p>
+          <a:p>
+            <a:pPr eaLnBrk="1" hangingPunct="1"/>
+            <a:r>
+              <a:rPr lang="en-US" sz="2800" smtClean="0">
+                <a:solidFill>
+                  <a:schemeClr val="tx2"/>
+                </a:solidFill>
+              </a:rPr>
+              <a:t>Capability to explicitly declare semantic relations between vocabulary terms</a:t>
+            </a:r>
+            <a:endParaRPr lang="en-GB" sz="2800" smtClean="0">
+              <a:solidFill>
+                <a:schemeClr val="tx2"/>
+              </a:solidFill>
+            </a:endParaRPr>
+          </a:p>
+        </p:txBody>
+      </p:sp>
+    </p:spTree>
+  </p:cSld>
+  <p:clrMapOvr>
+    <a:masterClrMapping/>
+  </p:clrMapOvr>
+</p:sld>
+</file>
+
+<file path=ppt/slides/slide25.xml><?xml version="1.0" encoding="utf-8"?>
+<p:sld xmlns:a="http://schemas.openxmlformats.org/drawingml/2006/main" xmlns:r="http://schemas.openxmlformats.org/officeDocument/2006/relationships" xmlns:p="http://schemas.openxmlformats.org/presentationml/2006/main">
+  <p:cSld>
+    <p:spTree>
+      <p:nvGrpSpPr>
+        <p:cNvPr id="1" name=""/>
+        <p:cNvGrpSpPr/>
+        <p:nvPr/>
+      </p:nvGrpSpPr>
+      <p:grpSpPr>
+        <a:xfrm>
+          <a:off x="0" y="0"/>
+          <a:ext cx="0" cy="0"/>
+          <a:chOff x="0" y="0"/>
+          <a:chExt cx="0" cy="0"/>
+        </a:xfrm>
+      </p:grpSpPr>
+      <p:sp>
+        <p:nvSpPr>
           <p:cNvPr id="25602" name="Rectangle 2"/>
           <p:cNvSpPr>
             <a:spLocks noChangeArrowheads="1"/>
@@ -14605,7 +14912,7 @@
 </p:sld>
 </file>
 
-<file path=ppt/slides/slide25.xml><?xml version="1.0" encoding="utf-8"?>
+<file path=ppt/slides/slide26.xml><?xml version="1.0" encoding="utf-8"?>
 <p:sld xmlns:a="http://schemas.openxmlformats.org/drawingml/2006/main" xmlns:r="http://schemas.openxmlformats.org/officeDocument/2006/relationships" xmlns:p="http://schemas.openxmlformats.org/presentationml/2006/main">
   <p:cSld>
     <p:spTree>
@@ -15614,7 +15921,7 @@
 </p:sld>
 </file>
 
-<file path=ppt/slides/slide26.xml><?xml version="1.0" encoding="utf-8"?>
+<file path=ppt/slides/slide27.xml><?xml version="1.0" encoding="utf-8"?>
 <p:sld xmlns:a="http://schemas.openxmlformats.org/drawingml/2006/main" xmlns:r="http://schemas.openxmlformats.org/officeDocument/2006/relationships" xmlns:p="http://schemas.openxmlformats.org/presentationml/2006/main">
   <p:cSld>
     <p:spTree>
@@ -16346,7 +16653,7 @@
 </p:sld>
 </file>
 
-<file path=ppt/slides/slide27.xml><?xml version="1.0" encoding="utf-8"?>
+<file path=ppt/slides/slide28.xml><?xml version="1.0" encoding="utf-8"?>
 <p:sld xmlns:a="http://schemas.openxmlformats.org/drawingml/2006/main" xmlns:r="http://schemas.openxmlformats.org/officeDocument/2006/relationships" xmlns:p="http://schemas.openxmlformats.org/presentationml/2006/main">
   <p:cSld>
     <p:spTree>
@@ -16383,7 +16690,7 @@
             <a:fld id="{A6923770-4BE6-4BD7-A23F-1DEE131979C4}" type="slidenum">
               <a:rPr lang="tr-TR" smtClean="0"/>
               <a:pPr/>
-              <a:t>27</a:t>
+              <a:t>28</a:t>
             </a:fld>
             <a:endParaRPr lang="tr-TR" smtClean="0"/>
           </a:p>
@@ -16487,7 +16794,7 @@
 </p:sld>
 </file>
 
-<file path=ppt/slides/slide28.xml><?xml version="1.0" encoding="utf-8"?>
+<file path=ppt/slides/slide29.xml><?xml version="1.0" encoding="utf-8"?>
 <p:sld xmlns:a="http://schemas.openxmlformats.org/drawingml/2006/main" xmlns:r="http://schemas.openxmlformats.org/officeDocument/2006/relationships" xmlns:p="http://schemas.openxmlformats.org/presentationml/2006/main">
   <p:cSld>
     <p:spTree>
@@ -16592,7 +16899,7 @@
           <a:p>
             <a:pPr eaLnBrk="1" hangingPunct="1"/>
             <a:r>
-              <a:rPr lang="en-GB" smtClean="0"/>
+              <a:rPr lang="en-GB" dirty="0" smtClean="0"/>
               <a:t>History of the Semantic Web</a:t>
             </a:r>
           </a:p>
@@ -16616,17 +16923,17 @@
         </p:spPr>
         <p:txBody>
           <a:bodyPr>
-            <a:normAutofit fontScale="55000" lnSpcReduction="20000"/>
+            <a:normAutofit fontScale="70000" lnSpcReduction="20000"/>
           </a:bodyPr>
           <a:lstStyle/>
           <a:p>
             <a:pPr eaLnBrk="1" hangingPunct="1"/>
             <a:r>
-              <a:rPr lang="en-GB" sz="2800" smtClean="0"/>
+              <a:rPr lang="en-GB" sz="2800" dirty="0" smtClean="0"/>
               <a:t>Web was “invented” by </a:t>
             </a:r>
             <a:r>
-              <a:rPr lang="en-GB" sz="2800" smtClean="0">
+              <a:rPr lang="en-GB" sz="2800" dirty="0" smtClean="0">
                 <a:solidFill>
                   <a:srgbClr val="0033CC"/>
                 </a:solidFill>
@@ -16634,70 +16941,62 @@
               <a:t>Tim Berners-Lee</a:t>
             </a:r>
             <a:r>
-              <a:rPr lang="en-GB" sz="2800" smtClean="0"/>
+              <a:rPr lang="en-GB" sz="2800" dirty="0" smtClean="0"/>
               <a:t> (amongst others), a physicist working at CERN</a:t>
             </a:r>
-            <a:endParaRPr lang="tr-TR" sz="2800" smtClean="0"/>
+            <a:endParaRPr lang="tr-TR" sz="2800" dirty="0" smtClean="0"/>
           </a:p>
           <a:p>
             <a:pPr eaLnBrk="1" hangingPunct="1"/>
-            <a:endParaRPr lang="tr-TR" sz="2800" smtClean="0"/>
+            <a:endParaRPr lang="tr-TR" sz="2800" dirty="0" smtClean="0"/>
           </a:p>
           <a:p>
             <a:pPr eaLnBrk="1" hangingPunct="1"/>
-            <a:endParaRPr lang="tr-TR" sz="2800" smtClean="0"/>
+            <a:r>
+              <a:rPr lang="en-GB" sz="2800" dirty="0" smtClean="0"/>
+              <a:t>TBL’s </a:t>
+            </a:r>
+            <a:r>
+              <a:rPr lang="en-GB" sz="2800" dirty="0" smtClean="0"/>
+              <a:t>original vision of the Web was much more ambitious than the reality of the existing (syntactic) Web:</a:t>
+            </a:r>
           </a:p>
           <a:p>
             <a:pPr eaLnBrk="1" hangingPunct="1"/>
-            <a:endParaRPr lang="tr-TR" sz="2800" smtClean="0"/>
+            <a:endParaRPr lang="en-GB" sz="2800" dirty="0" smtClean="0"/>
           </a:p>
           <a:p>
             <a:pPr eaLnBrk="1" hangingPunct="1"/>
-            <a:endParaRPr lang="en-GB" sz="2800" smtClean="0"/>
+            <a:endParaRPr lang="en-GB" sz="2800" dirty="0" smtClean="0"/>
           </a:p>
           <a:p>
             <a:pPr eaLnBrk="1" hangingPunct="1"/>
-            <a:r>
-              <a:rPr lang="en-GB" sz="2800" smtClean="0"/>
-              <a:t>TBL’s original vision of the Web was much more ambitious than the reality of the existing (syntactic) Web:</a:t>
-            </a:r>
+            <a:endParaRPr lang="en-GB" sz="2800" dirty="0" smtClean="0"/>
           </a:p>
           <a:p>
             <a:pPr eaLnBrk="1" hangingPunct="1"/>
-            <a:endParaRPr lang="en-GB" sz="2800" smtClean="0"/>
+            <a:endParaRPr lang="en-GB" sz="2800" dirty="0" smtClean="0"/>
           </a:p>
           <a:p>
             <a:pPr eaLnBrk="1" hangingPunct="1"/>
-            <a:endParaRPr lang="en-GB" sz="2800" smtClean="0"/>
+            <a:endParaRPr lang="en-GB" sz="2800" dirty="0" smtClean="0"/>
           </a:p>
           <a:p>
             <a:pPr eaLnBrk="1" hangingPunct="1"/>
-            <a:endParaRPr lang="en-GB" sz="2800" smtClean="0"/>
+            <a:endParaRPr lang="en-GB" sz="2800" dirty="0" smtClean="0"/>
           </a:p>
           <a:p>
             <a:pPr eaLnBrk="1" hangingPunct="1"/>
-            <a:endParaRPr lang="en-GB" sz="2800" smtClean="0"/>
+            <a:endParaRPr lang="en-GB" sz="2800" dirty="0" smtClean="0"/>
           </a:p>
           <a:p>
             <a:pPr eaLnBrk="1" hangingPunct="1"/>
-            <a:endParaRPr lang="en-GB" sz="2800" smtClean="0"/>
-          </a:p>
-          <a:p>
-            <a:pPr eaLnBrk="1" hangingPunct="1"/>
-            <a:endParaRPr lang="en-GB" sz="2800" smtClean="0"/>
-          </a:p>
-          <a:p>
-            <a:pPr eaLnBrk="1" hangingPunct="1"/>
-            <a:endParaRPr lang="en-GB" sz="2800" smtClean="0"/>
-          </a:p>
-          <a:p>
-            <a:pPr eaLnBrk="1" hangingPunct="1"/>
-            <a:r>
-              <a:rPr lang="en-GB" sz="2800" smtClean="0"/>
+            <a:r>
+              <a:rPr lang="en-GB" sz="2800" dirty="0" smtClean="0"/>
               <a:t>TBL (and others) have since been working towards realising this vision, which has become known as the </a:t>
             </a:r>
             <a:r>
-              <a:rPr lang="en-GB" sz="2800" smtClean="0">
+              <a:rPr lang="en-GB" sz="2800" dirty="0" smtClean="0">
                 <a:solidFill>
                   <a:schemeClr val="accent2"/>
                 </a:solidFill>
@@ -16708,7 +17007,7 @@
           <a:p>
             <a:pPr lvl="1" eaLnBrk="1" hangingPunct="1"/>
             <a:r>
-              <a:rPr lang="en-GB" sz="2400" smtClean="0"/>
+              <a:rPr lang="en-GB" sz="2400" dirty="0" smtClean="0"/>
               <a:t>E.g., article in May 2001 issue of Scientific American…</a:t>
             </a:r>
           </a:p>
@@ -16724,10 +17023,10 @@
         </p:nvGrpSpPr>
         <p:grpSpPr bwMode="auto">
           <a:xfrm>
-            <a:off x="912813" y="3117850"/>
-            <a:ext cx="7548562" cy="2038350"/>
-            <a:chOff x="575" y="1964"/>
-            <a:chExt cx="4755" cy="1284"/>
+            <a:off x="1214439" y="3141663"/>
+            <a:ext cx="7246938" cy="2014538"/>
+            <a:chOff x="765" y="1979"/>
+            <a:chExt cx="4565" cy="1269"/>
           </a:xfrm>
         </p:grpSpPr>
         <p:sp>
@@ -16766,13 +17065,13 @@
                 </a:spcBef>
               </a:pPr>
               <a:r>
-                <a:rPr lang="en-GB" sz="1800" b="0">
+                <a:rPr lang="en-GB" sz="1800" b="0" dirty="0">
                   <a:latin typeface="Arial Narrow" pitchFamily="34" charset="0"/>
                 </a:rPr>
                 <a:t>“... a goal of the Web was that, if the interaction between person and hypertext could be so intuitive that the </a:t>
               </a:r>
               <a:r>
-                <a:rPr lang="en-GB" sz="1800">
+                <a:rPr lang="en-GB" sz="1800" dirty="0">
                   <a:solidFill>
                     <a:schemeClr val="accent2"/>
                   </a:solidFill>
@@ -16781,13 +17080,13 @@
                 <a:t>machine-readable</a:t>
               </a:r>
               <a:r>
-                <a:rPr lang="en-GB" sz="1800" b="0">
+                <a:rPr lang="en-GB" sz="1800" b="0" dirty="0">
                   <a:latin typeface="Arial Narrow" pitchFamily="34" charset="0"/>
                 </a:rPr>
                 <a:t> information space gave an accurate representation of the state of people's thoughts, interactions, and work patterns, then </a:t>
               </a:r>
               <a:r>
-                <a:rPr lang="en-GB" sz="1800">
+                <a:rPr lang="en-GB" sz="1800" dirty="0">
                   <a:solidFill>
                     <a:schemeClr val="accent2"/>
                   </a:solidFill>
@@ -16796,12 +17095,12 @@
                 <a:t>machine analysis</a:t>
               </a:r>
               <a:r>
-                <a:rPr lang="en-GB" sz="1800" b="0">
+                <a:rPr lang="en-GB" sz="1800" b="0" dirty="0">
                   <a:latin typeface="Arial Narrow" pitchFamily="34" charset="0"/>
                 </a:rPr>
                 <a:t> could become a very powerful management tool, seeing patterns in our work and facilitating our working together through the typical problems which beset the management of large organizations.”</a:t>
               </a:r>
-              <a:endParaRPr lang="en-US" sz="1800" b="0">
+              <a:endParaRPr lang="en-US" sz="1800" b="0" dirty="0">
                 <a:latin typeface="Arial Narrow" pitchFamily="34" charset="0"/>
               </a:endParaRPr>
             </a:p>
@@ -16826,7 +17125,7 @@
           </p:blipFill>
           <p:spPr bwMode="auto">
             <a:xfrm>
-              <a:off x="575" y="1964"/>
+              <a:off x="765" y="2205"/>
               <a:ext cx="610" cy="735"/>
             </a:xfrm>
             <a:prstGeom prst="rect">
@@ -16933,7 +17232,7 @@
                                         <p:tgtEl>
                                           <p:spTgt spid="6147">
                                             <p:txEl>
-                                              <p:pRg st="5" end="5"/>
+                                              <p:pRg st="2" end="2"/>
                                             </p:txEl>
                                           </p:spTgt>
                                         </p:tgtEl>
@@ -17027,7 +17326,7 @@
                                         <p:tgtEl>
                                           <p:spTgt spid="6147">
                                             <p:txEl>
-                                              <p:pRg st="13" end="13"/>
+                                              <p:pRg st="10" end="10"/>
                                             </p:txEl>
                                           </p:spTgt>
                                         </p:tgtEl>
@@ -17058,7 +17357,7 @@
                                         <p:tgtEl>
                                           <p:spTgt spid="6147">
                                             <p:txEl>
-                                              <p:pRg st="14" end="14"/>
+                                              <p:pRg st="11" end="11"/>
                                             </p:txEl>
                                           </p:spTgt>
                                         </p:tgtEl>
@@ -17534,7 +17833,7 @@
       </p:grpSpPr>
       <p:sp>
         <p:nvSpPr>
-          <p:cNvPr id="6146" name="Rectangle 2"/>
+          <p:cNvPr id="624642" name="Rectangle 2"/>
           <p:cNvSpPr>
             <a:spLocks noGrp="1" noChangeArrowheads="1"/>
           </p:cNvSpPr>
@@ -17547,18 +17846,17 @@
           <a:bodyPr/>
           <a:lstStyle/>
           <a:p>
-            <a:pPr eaLnBrk="1" hangingPunct="1"/>
-            <a:r>
-              <a:rPr lang="en-GB" sz="4000" smtClean="0"/>
+            <a:r>
+              <a:rPr lang="en-GB" dirty="0"/>
               <a:t>The Syntactic Web is…</a:t>
             </a:r>
-            <a:endParaRPr lang="en-US" sz="4000" smtClean="0"/>
-          </a:p>
-        </p:txBody>
-      </p:sp>
-      <p:sp>
-        <p:nvSpPr>
-          <p:cNvPr id="13315" name="Rectangle 3"/>
+            <a:endParaRPr lang="en-US" dirty="0"/>
+          </a:p>
+        </p:txBody>
+      </p:sp>
+      <p:sp>
+        <p:nvSpPr>
+          <p:cNvPr id="624643" name="Rectangle 3"/>
           <p:cNvSpPr>
             <a:spLocks noGrp="1" noChangeArrowheads="1"/>
           </p:cNvSpPr>
@@ -17571,150 +17869,154 @@
           <a:bodyPr/>
           <a:lstStyle/>
           <a:p>
-            <a:pPr lvl="1" eaLnBrk="1" hangingPunct="1">
+            <a:pPr>
+              <a:lnSpc>
+                <a:spcPct val="90000"/>
+              </a:lnSpc>
+            </a:pPr>
+            <a:r>
+              <a:rPr lang="en-GB" sz="1800" dirty="0">
+                <a:solidFill>
+                  <a:srgbClr val="FF3300"/>
+                </a:solidFill>
+              </a:rPr>
+              <a:t>A hypermedia, a digital library</a:t>
+            </a:r>
+          </a:p>
+          <a:p>
+            <a:pPr lvl="1">
+              <a:lnSpc>
+                <a:spcPct val="90000"/>
+              </a:lnSpc>
+            </a:pPr>
+            <a:r>
+              <a:rPr lang="en-GB" sz="1600" dirty="0"/>
+              <a:t>A library of documents called (web pages) interconnected by a hypermedia of links</a:t>
+            </a:r>
+          </a:p>
+          <a:p>
+            <a:pPr>
+              <a:lnSpc>
+                <a:spcPct val="90000"/>
+              </a:lnSpc>
+            </a:pPr>
+            <a:r>
+              <a:rPr lang="en-GB" sz="1800" dirty="0">
+                <a:solidFill>
+                  <a:srgbClr val="FF3300"/>
+                </a:solidFill>
+              </a:rPr>
+              <a:t>A database, an application platform</a:t>
+            </a:r>
+          </a:p>
+          <a:p>
+            <a:pPr lvl="1">
+              <a:lnSpc>
+                <a:spcPct val="90000"/>
+              </a:lnSpc>
+            </a:pPr>
+            <a:r>
+              <a:rPr lang="en-GB" sz="1600" dirty="0"/>
+              <a:t>A common portal to applications accessible through web pages, and presenting their results as web pages</a:t>
+            </a:r>
+          </a:p>
+          <a:p>
+            <a:pPr>
+              <a:lnSpc>
+                <a:spcPct val="90000"/>
+              </a:lnSpc>
+            </a:pPr>
+            <a:r>
+              <a:rPr lang="en-GB" sz="1800" dirty="0">
+                <a:solidFill>
+                  <a:srgbClr val="FF3300"/>
+                </a:solidFill>
+              </a:rPr>
+              <a:t>A platform for multimedia</a:t>
+            </a:r>
+          </a:p>
+          <a:p>
+            <a:pPr lvl="1">
+              <a:lnSpc>
+                <a:spcPct val="90000"/>
+              </a:lnSpc>
+            </a:pPr>
+            <a:r>
+              <a:rPr lang="en-GB" sz="1600" dirty="0"/>
+              <a:t>BBC Radio 4 anywhere in the world!  Terminator 3 trailers!</a:t>
+            </a:r>
+          </a:p>
+          <a:p>
+            <a:pPr>
+              <a:lnSpc>
+                <a:spcPct val="90000"/>
+              </a:lnSpc>
+            </a:pPr>
+            <a:r>
+              <a:rPr lang="en-GB" sz="1800" dirty="0">
+                <a:solidFill>
+                  <a:srgbClr val="FF3300"/>
+                </a:solidFill>
+              </a:rPr>
+              <a:t>A naming scheme</a:t>
+            </a:r>
+          </a:p>
+          <a:p>
+            <a:pPr lvl="1">
+              <a:lnSpc>
+                <a:spcPct val="90000"/>
+              </a:lnSpc>
+            </a:pPr>
+            <a:r>
+              <a:rPr lang="en-GB" sz="1600" dirty="0"/>
+              <a:t>Unique identity for those documents</a:t>
+            </a:r>
+          </a:p>
+          <a:p>
+            <a:pPr lvl="1">
+              <a:lnSpc>
+                <a:spcPct val="90000"/>
+              </a:lnSpc>
+            </a:pPr>
+            <a:endParaRPr lang="en-GB" sz="1600" dirty="0"/>
+          </a:p>
+          <a:p>
+            <a:pPr>
               <a:lnSpc>
                 <a:spcPct val="90000"/>
               </a:lnSpc>
               <a:buFontTx/>
               <a:buNone/>
             </a:pPr>
-            <a:endParaRPr lang="en-GB" sz="1800" smtClean="0"/>
-          </a:p>
-          <a:p>
-            <a:pPr eaLnBrk="1" hangingPunct="1">
+            <a:r>
+              <a:rPr lang="en-GB" sz="1800" dirty="0"/>
+              <a:t>     </a:t>
+            </a:r>
+            <a:r>
+              <a:rPr lang="en-GB" sz="1800" dirty="0">
+                <a:solidFill>
+                  <a:srgbClr val="3333FF"/>
+                </a:solidFill>
+              </a:rPr>
+              <a:t>A place where computers do the presentation (easy) and people do the linking and interpreting (hard). </a:t>
+            </a:r>
+          </a:p>
+          <a:p>
+            <a:pPr>
               <a:lnSpc>
                 <a:spcPct val="90000"/>
               </a:lnSpc>
               <a:buFontTx/>
               <a:buNone/>
             </a:pPr>
-            <a:r>
-              <a:rPr lang="en-GB" sz="1800" smtClean="0"/>
-              <a:t>     </a:t>
-            </a:r>
-            <a:r>
-              <a:rPr lang="en-GB" sz="1800" smtClean="0">
-                <a:solidFill>
-                  <a:srgbClr val="3333FF"/>
-                </a:solidFill>
-              </a:rPr>
-              <a:t>A place where computers do the presentation (easy) and people do the linking and interpreting (hard). </a:t>
-            </a:r>
-          </a:p>
-          <a:p>
-            <a:pPr lvl="1" eaLnBrk="1" hangingPunct="1">
-              <a:lnSpc>
-                <a:spcPct val="90000"/>
-              </a:lnSpc>
-            </a:pPr>
-            <a:r>
-              <a:rPr lang="en-GB" sz="1800" smtClean="0">
-                <a:solidFill>
-                  <a:srgbClr val="3333FF"/>
-                </a:solidFill>
-              </a:rPr>
-              <a:t> </a:t>
-            </a:r>
-            <a:r>
-              <a:rPr lang="en-GB" sz="1800" smtClean="0">
-                <a:solidFill>
-                  <a:srgbClr val="FF3300"/>
-                </a:solidFill>
-              </a:rPr>
-              <a:t>A hypermedia, a digital library</a:t>
-            </a:r>
-          </a:p>
-          <a:p>
-            <a:pPr lvl="2" eaLnBrk="1" hangingPunct="1">
-              <a:lnSpc>
-                <a:spcPct val="90000"/>
-              </a:lnSpc>
-            </a:pPr>
-            <a:r>
-              <a:rPr lang="en-GB" sz="1800" smtClean="0"/>
-              <a:t>A library of documents called (web pages) interconnected by a hypermedia of links</a:t>
-            </a:r>
-          </a:p>
-          <a:p>
-            <a:pPr lvl="1" eaLnBrk="1" hangingPunct="1">
-              <a:lnSpc>
-                <a:spcPct val="90000"/>
-              </a:lnSpc>
-            </a:pPr>
-            <a:r>
-              <a:rPr lang="en-GB" sz="1800" smtClean="0">
-                <a:solidFill>
-                  <a:srgbClr val="FF3300"/>
-                </a:solidFill>
-              </a:rPr>
-              <a:t>A database, an application platform</a:t>
-            </a:r>
-          </a:p>
-          <a:p>
-            <a:pPr lvl="2" eaLnBrk="1" hangingPunct="1">
-              <a:lnSpc>
-                <a:spcPct val="90000"/>
-              </a:lnSpc>
-            </a:pPr>
-            <a:r>
-              <a:rPr lang="en-GB" sz="1800" smtClean="0"/>
-              <a:t>A common portal to applications accessible through web pages, and presenting their results as web pages</a:t>
-            </a:r>
-          </a:p>
-          <a:p>
-            <a:pPr lvl="1" eaLnBrk="1" hangingPunct="1">
-              <a:lnSpc>
-                <a:spcPct val="90000"/>
-              </a:lnSpc>
-            </a:pPr>
-            <a:r>
-              <a:rPr lang="en-GB" sz="1800" smtClean="0">
-                <a:solidFill>
-                  <a:srgbClr val="FF3300"/>
-                </a:solidFill>
-              </a:rPr>
-              <a:t>A platform for multimedia</a:t>
-            </a:r>
-          </a:p>
-          <a:p>
-            <a:pPr lvl="2" eaLnBrk="1" hangingPunct="1">
-              <a:lnSpc>
-                <a:spcPct val="90000"/>
-              </a:lnSpc>
-            </a:pPr>
-            <a:r>
-              <a:rPr lang="en-GB" sz="1800" smtClean="0"/>
-              <a:t>BBC Radio 4 anywhere in the world!  Terminator 3 trailers!</a:t>
-            </a:r>
-          </a:p>
-          <a:p>
-            <a:pPr lvl="1" eaLnBrk="1" hangingPunct="1">
-              <a:lnSpc>
-                <a:spcPct val="90000"/>
-              </a:lnSpc>
-            </a:pPr>
-            <a:r>
-              <a:rPr lang="en-GB" sz="1800" smtClean="0">
-                <a:solidFill>
-                  <a:srgbClr val="FF3300"/>
-                </a:solidFill>
-              </a:rPr>
-              <a:t>A naming scheme</a:t>
-            </a:r>
-          </a:p>
-          <a:p>
-            <a:pPr lvl="2" eaLnBrk="1" hangingPunct="1">
-              <a:lnSpc>
-                <a:spcPct val="90000"/>
-              </a:lnSpc>
-            </a:pPr>
-            <a:r>
-              <a:rPr lang="en-GB" sz="1800" smtClean="0"/>
-              <a:t>Unique identity for those documents</a:t>
-            </a:r>
-          </a:p>
-          <a:p>
-            <a:pPr eaLnBrk="1" hangingPunct="1">
+            <a:endParaRPr lang="en-GB" sz="1800" dirty="0">
+              <a:solidFill>
+                <a:srgbClr val="3333FF"/>
+              </a:solidFill>
+            </a:endParaRPr>
+          </a:p>
+          <a:p>
+            <a:pPr>
               <a:lnSpc>
                 <a:spcPct val="90000"/>
               </a:lnSpc>
@@ -17722,51 +18024,29 @@
               <a:buNone/>
             </a:pPr>
             <a:r>
-              <a:rPr lang="en-GB" sz="1800" smtClean="0">
+              <a:rPr lang="en-GB" sz="1800" dirty="0">
                 <a:solidFill>
                   <a:srgbClr val="3333FF"/>
                 </a:solidFill>
               </a:rPr>
-              <a:t>Why not get computers to do more of the hard work?</a:t>
-            </a:r>
-            <a:br>
-              <a:rPr lang="en-GB" sz="1800" smtClean="0">
-                <a:solidFill>
-                  <a:srgbClr val="3333FF"/>
-                </a:solidFill>
-              </a:rPr>
-            </a:br>
-            <a:endParaRPr lang="en-GB" sz="1800" smtClean="0"/>
-          </a:p>
-          <a:p>
-            <a:pPr eaLnBrk="1" hangingPunct="1">
+              <a:t>     Why not get computers to do more of the hard work?</a:t>
+            </a:r>
+          </a:p>
+          <a:p>
+            <a:pPr>
               <a:lnSpc>
                 <a:spcPct val="90000"/>
               </a:lnSpc>
               <a:buFontTx/>
               <a:buNone/>
             </a:pPr>
-            <a:endParaRPr lang="en-GB" sz="1800" smtClean="0">
-              <a:solidFill>
-                <a:srgbClr val="3333FF"/>
-              </a:solidFill>
-            </a:endParaRPr>
-          </a:p>
-          <a:p>
-            <a:pPr eaLnBrk="1" hangingPunct="1">
-              <a:lnSpc>
-                <a:spcPct val="90000"/>
-              </a:lnSpc>
-              <a:buFontTx/>
-              <a:buNone/>
-            </a:pPr>
-            <a:endParaRPr lang="en-US" sz="1800" smtClean="0"/>
-          </a:p>
-        </p:txBody>
-      </p:sp>
-      <p:sp>
-        <p:nvSpPr>
-          <p:cNvPr id="6148" name="Text Box 4"/>
+            <a:endParaRPr lang="en-US" sz="1800" dirty="0"/>
+          </a:p>
+        </p:txBody>
+      </p:sp>
+      <p:sp>
+        <p:nvSpPr>
+          <p:cNvPr id="624646" name="Text Box 6"/>
           <p:cNvSpPr txBox="1">
             <a:spLocks noChangeArrowheads="1"/>
           </p:cNvSpPr>
@@ -17787,6 +18067,7 @@
             <a:headEnd type="none" w="sm" len="sm"/>
             <a:tailEnd type="none" w="sm" len="sm"/>
           </a:ln>
+          <a:effectLst/>
         </p:spPr>
         <p:txBody>
           <a:bodyPr wrap="none">
@@ -17794,8 +18075,16 @@
           </a:bodyPr>
           <a:lstStyle/>
           <a:p>
-            <a:r>
-              <a:rPr lang="en-GB" sz="1600" b="0">
+            <a:pPr>
+              <a:spcBef>
+                <a:spcPct val="0"/>
+              </a:spcBef>
+              <a:buClrTx/>
+              <a:buFontTx/>
+              <a:buNone/>
+            </a:pPr>
+            <a:r>
+              <a:rPr lang="en-GB" sz="1600">
                 <a:solidFill>
                   <a:schemeClr val="bg2"/>
                 </a:solidFill>
@@ -17846,9 +18135,9 @@
                                           </p:stCondLst>
                                         </p:cTn>
                                         <p:tgtEl>
-                                          <p:spTgt spid="13315">
+                                          <p:spTgt spid="624643">
                                             <p:txEl>
-                                              <p:pRg st="1" end="1"/>
+                                              <p:pRg st="0" end="0"/>
                                             </p:txEl>
                                           </p:spTgt>
                                         </p:tgtEl>
@@ -17877,9 +18166,9 @@
                                           </p:stCondLst>
                                         </p:cTn>
                                         <p:tgtEl>
-                                          <p:spTgt spid="13315">
+                                          <p:spTgt spid="624643">
                                             <p:txEl>
-                                              <p:pRg st="2" end="2"/>
+                                              <p:pRg st="1" end="1"/>
                                             </p:txEl>
                                           </p:spTgt>
                                         </p:tgtEl>
@@ -17894,39 +18183,26 @@
                                   </p:childTnLst>
                                 </p:cTn>
                               </p:par>
+                            </p:childTnLst>
+                          </p:cTn>
+                        </p:par>
+                      </p:childTnLst>
+                    </p:cTn>
+                  </p:par>
+                  <p:par>
+                    <p:cTn id="9" fill="hold">
+                      <p:stCondLst>
+                        <p:cond delay="indefinite"/>
+                      </p:stCondLst>
+                      <p:childTnLst>
+                        <p:par>
+                          <p:cTn id="10" fill="hold">
+                            <p:stCondLst>
+                              <p:cond delay="0"/>
+                            </p:stCondLst>
+                            <p:childTnLst>
                               <p:par>
-                                <p:cTn id="9" presetID="1" presetClass="entr" presetSubtype="0" fill="hold" grpId="0" nodeType="withEffect">
-                                  <p:stCondLst>
-                                    <p:cond delay="0"/>
-                                  </p:stCondLst>
-                                  <p:childTnLst>
-                                    <p:set>
-                                      <p:cBhvr>
-                                        <p:cTn id="10" dur="1" fill="hold">
-                                          <p:stCondLst>
-                                            <p:cond delay="0"/>
-                                          </p:stCondLst>
-                                        </p:cTn>
-                                        <p:tgtEl>
-                                          <p:spTgt spid="13315">
-                                            <p:txEl>
-                                              <p:pRg st="3" end="3"/>
-                                            </p:txEl>
-                                          </p:spTgt>
-                                        </p:tgtEl>
-                                        <p:attrNameLst>
-                                          <p:attrName>style.visibility</p:attrName>
-                                        </p:attrNameLst>
-                                      </p:cBhvr>
-                                      <p:to>
-                                        <p:strVal val="visible"/>
-                                      </p:to>
-                                    </p:set>
-                                  </p:childTnLst>
-                                </p:cTn>
-                              </p:par>
-                              <p:par>
-                                <p:cTn id="11" presetID="1" presetClass="entr" presetSubtype="0" fill="hold" grpId="0" nodeType="withEffect">
+                                <p:cTn id="11" presetID="1" presetClass="entr" presetSubtype="0" fill="hold" grpId="0" nodeType="clickEffect">
                                   <p:stCondLst>
                                     <p:cond delay="0"/>
                                   </p:stCondLst>
@@ -17939,9 +18215,9 @@
                                           </p:stCondLst>
                                         </p:cTn>
                                         <p:tgtEl>
-                                          <p:spTgt spid="13315">
+                                          <p:spTgt spid="624643">
                                             <p:txEl>
-                                              <p:pRg st="4" end="4"/>
+                                              <p:pRg st="2" end="2"/>
                                             </p:txEl>
                                           </p:spTgt>
                                         </p:tgtEl>
@@ -17970,7 +18246,87 @@
                                           </p:stCondLst>
                                         </p:cTn>
                                         <p:tgtEl>
-                                          <p:spTgt spid="13315">
+                                          <p:spTgt spid="624643">
+                                            <p:txEl>
+                                              <p:pRg st="3" end="3"/>
+                                            </p:txEl>
+                                          </p:spTgt>
+                                        </p:tgtEl>
+                                        <p:attrNameLst>
+                                          <p:attrName>style.visibility</p:attrName>
+                                        </p:attrNameLst>
+                                      </p:cBhvr>
+                                      <p:to>
+                                        <p:strVal val="visible"/>
+                                      </p:to>
+                                    </p:set>
+                                  </p:childTnLst>
+                                </p:cTn>
+                              </p:par>
+                            </p:childTnLst>
+                          </p:cTn>
+                        </p:par>
+                      </p:childTnLst>
+                    </p:cTn>
+                  </p:par>
+                  <p:par>
+                    <p:cTn id="15" fill="hold">
+                      <p:stCondLst>
+                        <p:cond delay="indefinite"/>
+                      </p:stCondLst>
+                      <p:childTnLst>
+                        <p:par>
+                          <p:cTn id="16" fill="hold">
+                            <p:stCondLst>
+                              <p:cond delay="0"/>
+                            </p:stCondLst>
+                            <p:childTnLst>
+                              <p:par>
+                                <p:cTn id="17" presetID="1" presetClass="entr" presetSubtype="0" fill="hold" grpId="0" nodeType="clickEffect">
+                                  <p:stCondLst>
+                                    <p:cond delay="0"/>
+                                  </p:stCondLst>
+                                  <p:childTnLst>
+                                    <p:set>
+                                      <p:cBhvr>
+                                        <p:cTn id="18" dur="1" fill="hold">
+                                          <p:stCondLst>
+                                            <p:cond delay="0"/>
+                                          </p:stCondLst>
+                                        </p:cTn>
+                                        <p:tgtEl>
+                                          <p:spTgt spid="624643">
+                                            <p:txEl>
+                                              <p:pRg st="4" end="4"/>
+                                            </p:txEl>
+                                          </p:spTgt>
+                                        </p:tgtEl>
+                                        <p:attrNameLst>
+                                          <p:attrName>style.visibility</p:attrName>
+                                        </p:attrNameLst>
+                                      </p:cBhvr>
+                                      <p:to>
+                                        <p:strVal val="visible"/>
+                                      </p:to>
+                                    </p:set>
+                                  </p:childTnLst>
+                                </p:cTn>
+                              </p:par>
+                              <p:par>
+                                <p:cTn id="19" presetID="1" presetClass="entr" presetSubtype="0" fill="hold" grpId="0" nodeType="withEffect">
+                                  <p:stCondLst>
+                                    <p:cond delay="0"/>
+                                  </p:stCondLst>
+                                  <p:childTnLst>
+                                    <p:set>
+                                      <p:cBhvr>
+                                        <p:cTn id="20" dur="1" fill="hold">
+                                          <p:stCondLst>
+                                            <p:cond delay="0"/>
+                                          </p:stCondLst>
+                                        </p:cTn>
+                                        <p:tgtEl>
+                                          <p:spTgt spid="624643">
                                             <p:txEl>
                                               <p:pRg st="5" end="5"/>
                                             </p:txEl>
@@ -17987,8 +18343,655 @@
                                   </p:childTnLst>
                                 </p:cTn>
                               </p:par>
+                            </p:childTnLst>
+                          </p:cTn>
+                        </p:par>
+                      </p:childTnLst>
+                    </p:cTn>
+                  </p:par>
+                  <p:par>
+                    <p:cTn id="21" fill="hold">
+                      <p:stCondLst>
+                        <p:cond delay="indefinite"/>
+                      </p:stCondLst>
+                      <p:childTnLst>
+                        <p:par>
+                          <p:cTn id="22" fill="hold">
+                            <p:stCondLst>
+                              <p:cond delay="0"/>
+                            </p:stCondLst>
+                            <p:childTnLst>
                               <p:par>
-                                <p:cTn id="15" presetID="1" presetClass="entr" presetSubtype="0" fill="hold" grpId="0" nodeType="withEffect">
+                                <p:cTn id="23" presetID="1" presetClass="entr" presetSubtype="0" fill="hold" grpId="0" nodeType="clickEffect">
+                                  <p:stCondLst>
+                                    <p:cond delay="0"/>
+                                  </p:stCondLst>
+                                  <p:childTnLst>
+                                    <p:set>
+                                      <p:cBhvr>
+                                        <p:cTn id="24" dur="1" fill="hold">
+                                          <p:stCondLst>
+                                            <p:cond delay="0"/>
+                                          </p:stCondLst>
+                                        </p:cTn>
+                                        <p:tgtEl>
+                                          <p:spTgt spid="624643">
+                                            <p:txEl>
+                                              <p:pRg st="6" end="6"/>
+                                            </p:txEl>
+                                          </p:spTgt>
+                                        </p:tgtEl>
+                                        <p:attrNameLst>
+                                          <p:attrName>style.visibility</p:attrName>
+                                        </p:attrNameLst>
+                                      </p:cBhvr>
+                                      <p:to>
+                                        <p:strVal val="visible"/>
+                                      </p:to>
+                                    </p:set>
+                                  </p:childTnLst>
+                                </p:cTn>
+                              </p:par>
+                              <p:par>
+                                <p:cTn id="25" presetID="1" presetClass="entr" presetSubtype="0" fill="hold" grpId="0" nodeType="withEffect">
+                                  <p:stCondLst>
+                                    <p:cond delay="0"/>
+                                  </p:stCondLst>
+                                  <p:childTnLst>
+                                    <p:set>
+                                      <p:cBhvr>
+                                        <p:cTn id="26" dur="1" fill="hold">
+                                          <p:stCondLst>
+                                            <p:cond delay="0"/>
+                                          </p:stCondLst>
+                                        </p:cTn>
+                                        <p:tgtEl>
+                                          <p:spTgt spid="624643">
+                                            <p:txEl>
+                                              <p:pRg st="7" end="7"/>
+                                            </p:txEl>
+                                          </p:spTgt>
+                                        </p:tgtEl>
+                                        <p:attrNameLst>
+                                          <p:attrName>style.visibility</p:attrName>
+                                        </p:attrNameLst>
+                                      </p:cBhvr>
+                                      <p:to>
+                                        <p:strVal val="visible"/>
+                                      </p:to>
+                                    </p:set>
+                                  </p:childTnLst>
+                                </p:cTn>
+                              </p:par>
+                            </p:childTnLst>
+                          </p:cTn>
+                        </p:par>
+                      </p:childTnLst>
+                    </p:cTn>
+                  </p:par>
+                  <p:par>
+                    <p:cTn id="27" fill="hold">
+                      <p:stCondLst>
+                        <p:cond delay="indefinite"/>
+                      </p:stCondLst>
+                      <p:childTnLst>
+                        <p:par>
+                          <p:cTn id="28" fill="hold">
+                            <p:stCondLst>
+                              <p:cond delay="0"/>
+                            </p:stCondLst>
+                            <p:childTnLst>
+                              <p:par>
+                                <p:cTn id="29" presetID="1" presetClass="entr" presetSubtype="0" fill="hold" grpId="0" nodeType="clickEffect">
+                                  <p:stCondLst>
+                                    <p:cond delay="0"/>
+                                  </p:stCondLst>
+                                  <p:childTnLst>
+                                    <p:set>
+                                      <p:cBhvr>
+                                        <p:cTn id="30" dur="1" fill="hold">
+                                          <p:stCondLst>
+                                            <p:cond delay="0"/>
+                                          </p:stCondLst>
+                                        </p:cTn>
+                                        <p:tgtEl>
+                                          <p:spTgt spid="624643">
+                                            <p:txEl>
+                                              <p:pRg st="9" end="9"/>
+                                            </p:txEl>
+                                          </p:spTgt>
+                                        </p:tgtEl>
+                                        <p:attrNameLst>
+                                          <p:attrName>style.visibility</p:attrName>
+                                        </p:attrNameLst>
+                                      </p:cBhvr>
+                                      <p:to>
+                                        <p:strVal val="visible"/>
+                                      </p:to>
+                                    </p:set>
+                                  </p:childTnLst>
+                                </p:cTn>
+                              </p:par>
+                            </p:childTnLst>
+                          </p:cTn>
+                        </p:par>
+                      </p:childTnLst>
+                    </p:cTn>
+                  </p:par>
+                  <p:par>
+                    <p:cTn id="31" fill="hold">
+                      <p:stCondLst>
+                        <p:cond delay="indefinite"/>
+                      </p:stCondLst>
+                      <p:childTnLst>
+                        <p:par>
+                          <p:cTn id="32" fill="hold">
+                            <p:stCondLst>
+                              <p:cond delay="0"/>
+                            </p:stCondLst>
+                            <p:childTnLst>
+                              <p:par>
+                                <p:cTn id="33" presetID="1" presetClass="entr" presetSubtype="0" fill="hold" grpId="0" nodeType="clickEffect">
+                                  <p:stCondLst>
+                                    <p:cond delay="0"/>
+                                  </p:stCondLst>
+                                  <p:childTnLst>
+                                    <p:set>
+                                      <p:cBhvr>
+                                        <p:cTn id="34" dur="1" fill="hold">
+                                          <p:stCondLst>
+                                            <p:cond delay="0"/>
+                                          </p:stCondLst>
+                                        </p:cTn>
+                                        <p:tgtEl>
+                                          <p:spTgt spid="624643">
+                                            <p:txEl>
+                                              <p:pRg st="11" end="11"/>
+                                            </p:txEl>
+                                          </p:spTgt>
+                                        </p:tgtEl>
+                                        <p:attrNameLst>
+                                          <p:attrName>style.visibility</p:attrName>
+                                        </p:attrNameLst>
+                                      </p:cBhvr>
+                                      <p:to>
+                                        <p:strVal val="visible"/>
+                                      </p:to>
+                                    </p:set>
+                                  </p:childTnLst>
+                                </p:cTn>
+                              </p:par>
+                            </p:childTnLst>
+                          </p:cTn>
+                        </p:par>
+                      </p:childTnLst>
+                    </p:cTn>
+                  </p:par>
+                </p:childTnLst>
+              </p:cTn>
+              <p:prevCondLst>
+                <p:cond evt="onPrev" delay="0">
+                  <p:tgtEl>
+                    <p:sldTgt/>
+                  </p:tgtEl>
+                </p:cond>
+              </p:prevCondLst>
+              <p:nextCondLst>
+                <p:cond evt="onNext" delay="0">
+                  <p:tgtEl>
+                    <p:sldTgt/>
+                  </p:tgtEl>
+                </p:cond>
+              </p:nextCondLst>
+            </p:seq>
+          </p:childTnLst>
+        </p:cTn>
+      </p:par>
+    </p:tnLst>
+    <p:bldLst>
+      <p:bldP spid="624643" grpId="0" build="p"/>
+    </p:bldLst>
+  </p:timing>
+</p:sld>
+</file>
+
+<file path=ppt/slides/slide6.xml><?xml version="1.0" encoding="utf-8"?>
+<p:sld xmlns:a="http://schemas.openxmlformats.org/drawingml/2006/main" xmlns:r="http://schemas.openxmlformats.org/officeDocument/2006/relationships" xmlns:p="http://schemas.openxmlformats.org/presentationml/2006/main">
+  <p:cSld>
+    <p:spTree>
+      <p:nvGrpSpPr>
+        <p:cNvPr id="1" name=""/>
+        <p:cNvGrpSpPr/>
+        <p:nvPr/>
+      </p:nvGrpSpPr>
+      <p:grpSpPr>
+        <a:xfrm>
+          <a:off x="0" y="0"/>
+          <a:ext cx="0" cy="0"/>
+          <a:chOff x="0" y="0"/>
+          <a:chExt cx="0" cy="0"/>
+        </a:xfrm>
+      </p:grpSpPr>
+      <p:sp>
+        <p:nvSpPr>
+          <p:cNvPr id="697346" name="Rectangle 2"/>
+          <p:cNvSpPr>
+            <a:spLocks noGrp="1" noChangeArrowheads="1"/>
+          </p:cNvSpPr>
+          <p:nvPr>
+            <p:ph type="title"/>
+          </p:nvPr>
+        </p:nvSpPr>
+        <p:spPr/>
+        <p:txBody>
+          <a:bodyPr/>
+          <a:lstStyle/>
+          <a:p>
+            <a:r>
+              <a:rPr lang="en-GB" sz="3600"/>
+              <a:t>Impossible (?) using the Syntactic Web…</a:t>
+            </a:r>
+            <a:endParaRPr lang="en-US" sz="3600"/>
+          </a:p>
+        </p:txBody>
+      </p:sp>
+      <p:sp>
+        <p:nvSpPr>
+          <p:cNvPr id="697347" name="Rectangle 3"/>
+          <p:cNvSpPr>
+            <a:spLocks noGrp="1" noChangeArrowheads="1"/>
+          </p:cNvSpPr>
+          <p:nvPr>
+            <p:ph type="body" idx="1"/>
+          </p:nvPr>
+        </p:nvSpPr>
+        <p:spPr>
+          <a:xfrm>
+            <a:off x="684213" y="1773238"/>
+            <a:ext cx="7991475" cy="4572000"/>
+          </a:xfrm>
+        </p:spPr>
+        <p:txBody>
+          <a:bodyPr>
+            <a:normAutofit lnSpcReduction="10000"/>
+          </a:bodyPr>
+          <a:lstStyle/>
+          <a:p>
+            <a:r>
+              <a:rPr lang="en-GB" sz="2400" dirty="0"/>
+              <a:t>Complex queries involving </a:t>
+            </a:r>
+            <a:r>
+              <a:rPr lang="en-GB" sz="2400" dirty="0">
+                <a:solidFill>
+                  <a:srgbClr val="0033CC"/>
+                </a:solidFill>
+              </a:rPr>
+              <a:t>background knowledge</a:t>
+            </a:r>
+          </a:p>
+          <a:p>
+            <a:pPr lvl="1"/>
+            <a:r>
+              <a:rPr lang="en-GB" sz="2000" dirty="0"/>
+              <a:t>Find information about “animals that use sonar but are not either bats or dolphins”</a:t>
+            </a:r>
+          </a:p>
+          <a:p>
+            <a:r>
+              <a:rPr lang="en-GB" sz="2400" dirty="0"/>
+              <a:t>Locating information in </a:t>
+            </a:r>
+            <a:r>
+              <a:rPr lang="en-GB" sz="2400" dirty="0">
+                <a:solidFill>
+                  <a:srgbClr val="0033CC"/>
+                </a:solidFill>
+              </a:rPr>
+              <a:t>data repositories</a:t>
+            </a:r>
+          </a:p>
+          <a:p>
+            <a:pPr lvl="1"/>
+            <a:r>
+              <a:rPr lang="en-GB" sz="2000" dirty="0"/>
+              <a:t>Travel enquiries</a:t>
+            </a:r>
+          </a:p>
+          <a:p>
+            <a:pPr lvl="1"/>
+            <a:r>
+              <a:rPr lang="en-GB" sz="2000" dirty="0"/>
+              <a:t>Prices of goods and services</a:t>
+            </a:r>
+          </a:p>
+          <a:p>
+            <a:pPr lvl="1"/>
+            <a:r>
+              <a:rPr lang="en-GB" sz="2000" dirty="0"/>
+              <a:t>Results of human genome experiments</a:t>
+            </a:r>
+          </a:p>
+          <a:p>
+            <a:r>
+              <a:rPr lang="en-GB" sz="2400" dirty="0"/>
+              <a:t>Finding and using “</a:t>
+            </a:r>
+            <a:r>
+              <a:rPr lang="en-GB" sz="2400" dirty="0">
+                <a:solidFill>
+                  <a:srgbClr val="0033CC"/>
+                </a:solidFill>
+              </a:rPr>
+              <a:t>web services</a:t>
+            </a:r>
+            <a:r>
+              <a:rPr lang="en-GB" sz="2400" dirty="0"/>
+              <a:t>”</a:t>
+            </a:r>
+          </a:p>
+          <a:p>
+            <a:pPr lvl="1"/>
+            <a:r>
+              <a:rPr lang="en-US" sz="2000" dirty="0" smtClean="0"/>
+              <a:t>Visualize </a:t>
+            </a:r>
+            <a:r>
+              <a:rPr lang="en-US" sz="2000" dirty="0"/>
+              <a:t>surface interactions between two proteins</a:t>
+            </a:r>
+          </a:p>
+          <a:p>
+            <a:r>
+              <a:rPr lang="en-GB" sz="2400" dirty="0"/>
+              <a:t>Delegating complex tasks to web “</a:t>
+            </a:r>
+            <a:r>
+              <a:rPr lang="en-GB" sz="2400" dirty="0">
+                <a:solidFill>
+                  <a:srgbClr val="0033CC"/>
+                </a:solidFill>
+              </a:rPr>
+              <a:t>agents</a:t>
+            </a:r>
+            <a:r>
+              <a:rPr lang="en-GB" sz="2400" dirty="0"/>
+              <a:t>”</a:t>
+            </a:r>
+          </a:p>
+          <a:p>
+            <a:pPr lvl="1"/>
+            <a:r>
+              <a:rPr lang="en-GB" sz="2000" dirty="0"/>
+              <a:t>Book me a holiday next weekend somewhere warm, not too far away, and where they speak French or English</a:t>
+            </a:r>
+            <a:endParaRPr lang="en-US" sz="2000" dirty="0"/>
+          </a:p>
+        </p:txBody>
+      </p:sp>
+      <p:grpSp>
+        <p:nvGrpSpPr>
+          <p:cNvPr id="2" name="Group 4"/>
+          <p:cNvGrpSpPr>
+            <a:grpSpLocks/>
+          </p:cNvGrpSpPr>
+          <p:nvPr/>
+        </p:nvGrpSpPr>
+        <p:grpSpPr bwMode="auto">
+          <a:xfrm>
+            <a:off x="3214678" y="2462232"/>
+            <a:ext cx="2101850" cy="3824288"/>
+            <a:chOff x="2160" y="1575"/>
+            <a:chExt cx="1324" cy="2409"/>
+          </a:xfrm>
+        </p:grpSpPr>
+        <p:pic>
+          <p:nvPicPr>
+            <p:cNvPr id="697349" name="Picture 5" descr="eyeviewowl"/>
+            <p:cNvPicPr>
+              <a:picLocks noChangeAspect="1" noChangeArrowheads="1"/>
+            </p:cNvPicPr>
+            <p:nvPr/>
+          </p:nvPicPr>
+          <p:blipFill>
+            <a:blip r:embed="rId2"/>
+            <a:srcRect/>
+            <a:stretch>
+              <a:fillRect/>
+            </a:stretch>
+          </p:blipFill>
+          <p:spPr bwMode="auto">
+            <a:xfrm>
+              <a:off x="2160" y="1872"/>
+              <a:ext cx="1324" cy="2112"/>
+            </a:xfrm>
+            <a:prstGeom prst="rect">
+              <a:avLst/>
+            </a:prstGeom>
+            <a:noFill/>
+          </p:spPr>
+        </p:pic>
+        <p:sp>
+          <p:nvSpPr>
+            <p:cNvPr id="697350" name="Text Box 6"/>
+            <p:cNvSpPr txBox="1">
+              <a:spLocks noChangeArrowheads="1"/>
+            </p:cNvSpPr>
+            <p:nvPr/>
+          </p:nvSpPr>
+          <p:spPr bwMode="auto">
+            <a:xfrm>
+              <a:off x="2160" y="1575"/>
+              <a:ext cx="1305" cy="250"/>
+            </a:xfrm>
+            <a:prstGeom prst="rect">
+              <a:avLst/>
+            </a:prstGeom>
+            <a:noFill/>
+            <a:ln w="9525">
+              <a:noFill/>
+              <a:miter lim="800000"/>
+              <a:headEnd/>
+              <a:tailEnd/>
+            </a:ln>
+            <a:effectLst/>
+          </p:spPr>
+          <p:txBody>
+            <a:bodyPr wrap="square">
+              <a:spAutoFit/>
+            </a:bodyPr>
+            <a:lstStyle/>
+            <a:p>
+              <a:pPr>
+                <a:spcBef>
+                  <a:spcPct val="50000"/>
+                </a:spcBef>
+                <a:buClrTx/>
+                <a:buFontTx/>
+                <a:buNone/>
+              </a:pPr>
+              <a:r>
+                <a:rPr lang="en-GB" sz="2000" b="1" dirty="0">
+                  <a:latin typeface="Arial" pitchFamily="34" charset="0"/>
+                </a:rPr>
+                <a:t>, e.g., Barn Owl</a:t>
+              </a:r>
+              <a:endParaRPr lang="en-US" sz="2000" b="1" dirty="0">
+                <a:latin typeface="Arial" pitchFamily="34" charset="0"/>
+              </a:endParaRPr>
+            </a:p>
+          </p:txBody>
+        </p:sp>
+      </p:grpSp>
+    </p:spTree>
+  </p:cSld>
+  <p:clrMapOvr>
+    <a:masterClrMapping/>
+  </p:clrMapOvr>
+  <p:transition/>
+  <p:timing>
+    <p:tnLst>
+      <p:par>
+        <p:cTn id="1" dur="indefinite" restart="never" nodeType="tmRoot">
+          <p:childTnLst>
+            <p:seq concurrent="1" nextAc="seek">
+              <p:cTn id="2" dur="indefinite" nodeType="mainSeq">
+                <p:childTnLst>
+                  <p:par>
+                    <p:cTn id="3" fill="hold">
+                      <p:stCondLst>
+                        <p:cond delay="indefinite"/>
+                      </p:stCondLst>
+                      <p:childTnLst>
+                        <p:par>
+                          <p:cTn id="4" fill="hold">
+                            <p:stCondLst>
+                              <p:cond delay="0"/>
+                            </p:stCondLst>
+                            <p:childTnLst>
+                              <p:par>
+                                <p:cTn id="5" presetID="1" presetClass="entr" presetSubtype="0" fill="hold" grpId="0" nodeType="clickEffect">
+                                  <p:stCondLst>
+                                    <p:cond delay="0"/>
+                                  </p:stCondLst>
+                                  <p:childTnLst>
+                                    <p:set>
+                                      <p:cBhvr>
+                                        <p:cTn id="6" dur="1" fill="hold">
+                                          <p:stCondLst>
+                                            <p:cond delay="0"/>
+                                          </p:stCondLst>
+                                        </p:cTn>
+                                        <p:tgtEl>
+                                          <p:spTgt spid="697347">
+                                            <p:txEl>
+                                              <p:pRg st="0" end="0"/>
+                                            </p:txEl>
+                                          </p:spTgt>
+                                        </p:tgtEl>
+                                        <p:attrNameLst>
+                                          <p:attrName>style.visibility</p:attrName>
+                                        </p:attrNameLst>
+                                      </p:cBhvr>
+                                      <p:to>
+                                        <p:strVal val="visible"/>
+                                      </p:to>
+                                    </p:set>
+                                  </p:childTnLst>
+                                </p:cTn>
+                              </p:par>
+                              <p:par>
+                                <p:cTn id="7" presetID="1" presetClass="entr" presetSubtype="0" fill="hold" grpId="0" nodeType="withEffect">
+                                  <p:stCondLst>
+                                    <p:cond delay="0"/>
+                                  </p:stCondLst>
+                                  <p:childTnLst>
+                                    <p:set>
+                                      <p:cBhvr>
+                                        <p:cTn id="8" dur="1" fill="hold">
+                                          <p:stCondLst>
+                                            <p:cond delay="0"/>
+                                          </p:stCondLst>
+                                        </p:cTn>
+                                        <p:tgtEl>
+                                          <p:spTgt spid="697347">
+                                            <p:txEl>
+                                              <p:pRg st="1" end="1"/>
+                                            </p:txEl>
+                                          </p:spTgt>
+                                        </p:tgtEl>
+                                        <p:attrNameLst>
+                                          <p:attrName>style.visibility</p:attrName>
+                                        </p:attrNameLst>
+                                      </p:cBhvr>
+                                      <p:to>
+                                        <p:strVal val="visible"/>
+                                      </p:to>
+                                    </p:set>
+                                  </p:childTnLst>
+                                </p:cTn>
+                              </p:par>
+                            </p:childTnLst>
+                          </p:cTn>
+                        </p:par>
+                      </p:childTnLst>
+                    </p:cTn>
+                  </p:par>
+                  <p:par>
+                    <p:cTn id="9" fill="hold">
+                      <p:stCondLst>
+                        <p:cond delay="indefinite"/>
+                      </p:stCondLst>
+                      <p:childTnLst>
+                        <p:par>
+                          <p:cTn id="10" fill="hold">
+                            <p:stCondLst>
+                              <p:cond delay="0"/>
+                            </p:stCondLst>
+                            <p:childTnLst>
+                              <p:par>
+                                <p:cTn id="11" presetID="1" presetClass="entr" presetSubtype="0" fill="hold" nodeType="clickEffect">
+                                  <p:stCondLst>
+                                    <p:cond delay="0"/>
+                                  </p:stCondLst>
+                                  <p:childTnLst>
+                                    <p:set>
+                                      <p:cBhvr>
+                                        <p:cTn id="12" dur="1" fill="hold">
+                                          <p:stCondLst>
+                                            <p:cond delay="0"/>
+                                          </p:stCondLst>
+                                        </p:cTn>
+                                        <p:tgtEl>
+                                          <p:spTgt spid="2"/>
+                                        </p:tgtEl>
+                                        <p:attrNameLst>
+                                          <p:attrName>style.visibility</p:attrName>
+                                        </p:attrNameLst>
+                                      </p:cBhvr>
+                                      <p:to>
+                                        <p:strVal val="visible"/>
+                                      </p:to>
+                                    </p:set>
+                                  </p:childTnLst>
+                                  <p:subTnLst>
+                                    <p:set>
+                                      <p:cBhvr override="childStyle">
+                                        <p:cTn dur="1" fill="hold" display="0" masterRel="nextClick" afterEffect="1"/>
+                                        <p:tgtEl>
+                                          <p:spTgt spid="2"/>
+                                        </p:tgtEl>
+                                        <p:attrNameLst>
+                                          <p:attrName>style.visibility</p:attrName>
+                                        </p:attrNameLst>
+                                      </p:cBhvr>
+                                      <p:to>
+                                        <p:strVal val="hidden"/>
+                                      </p:to>
+                                    </p:set>
+                                  </p:subTnLst>
+                                </p:cTn>
+                              </p:par>
+                            </p:childTnLst>
+                          </p:cTn>
+                        </p:par>
+                      </p:childTnLst>
+                    </p:cTn>
+                  </p:par>
+                  <p:par>
+                    <p:cTn id="13" fill="hold">
+                      <p:stCondLst>
+                        <p:cond delay="indefinite"/>
+                      </p:stCondLst>
+                      <p:childTnLst>
+                        <p:par>
+                          <p:cTn id="14" fill="hold">
+                            <p:stCondLst>
+                              <p:cond delay="0"/>
+                            </p:stCondLst>
+                            <p:childTnLst>
+                              <p:par>
+                                <p:cTn id="15" presetID="1" presetClass="entr" presetSubtype="0" fill="hold" grpId="0" nodeType="clickEffect">
                                   <p:stCondLst>
                                     <p:cond delay="0"/>
                                   </p:stCondLst>
@@ -18001,9 +19004,9 @@
                                           </p:stCondLst>
                                         </p:cTn>
                                         <p:tgtEl>
-                                          <p:spTgt spid="13315">
+                                          <p:spTgt spid="697347">
                                             <p:txEl>
-                                              <p:pRg st="6" end="6"/>
+                                              <p:pRg st="2" end="2"/>
                                             </p:txEl>
                                           </p:spTgt>
                                         </p:tgtEl>
@@ -18032,9 +19035,9 @@
                                           </p:stCondLst>
                                         </p:cTn>
                                         <p:tgtEl>
-                                          <p:spTgt spid="13315">
+                                          <p:spTgt spid="697347">
                                             <p:txEl>
-                                              <p:pRg st="7" end="7"/>
+                                              <p:pRg st="3" end="3"/>
                                             </p:txEl>
                                           </p:spTgt>
                                         </p:tgtEl>
@@ -18063,9 +19066,9 @@
                                           </p:stCondLst>
                                         </p:cTn>
                                         <p:tgtEl>
-                                          <p:spTgt spid="13315">
+                                          <p:spTgt spid="697347">
                                             <p:txEl>
-                                              <p:pRg st="8" end="8"/>
+                                              <p:pRg st="4" end="4"/>
                                             </p:txEl>
                                           </p:spTgt>
                                         </p:tgtEl>
@@ -18094,9 +19097,9 @@
                                           </p:stCondLst>
                                         </p:cTn>
                                         <p:tgtEl>
-                                          <p:spTgt spid="13315">
+                                          <p:spTgt spid="697347">
                                             <p:txEl>
-                                              <p:pRg st="9" end="9"/>
+                                              <p:pRg st="5" end="5"/>
                                             </p:txEl>
                                           </p:spTgt>
                                         </p:tgtEl>
@@ -18143,9 +19146,120 @@
                                           </p:stCondLst>
                                         </p:cTn>
                                         <p:tgtEl>
-                                          <p:spTgt spid="13315">
+                                          <p:spTgt spid="697347">
                                             <p:txEl>
-                                              <p:pRg st="10" end="10"/>
+                                              <p:pRg st="6" end="6"/>
+                                            </p:txEl>
+                                          </p:spTgt>
+                                        </p:tgtEl>
+                                        <p:attrNameLst>
+                                          <p:attrName>style.visibility</p:attrName>
+                                        </p:attrNameLst>
+                                      </p:cBhvr>
+                                      <p:to>
+                                        <p:strVal val="visible"/>
+                                      </p:to>
+                                    </p:set>
+                                  </p:childTnLst>
+                                </p:cTn>
+                              </p:par>
+                              <p:par>
+                                <p:cTn id="27" presetID="1" presetClass="entr" presetSubtype="0" fill="hold" grpId="0" nodeType="withEffect">
+                                  <p:stCondLst>
+                                    <p:cond delay="0"/>
+                                  </p:stCondLst>
+                                  <p:childTnLst>
+                                    <p:set>
+                                      <p:cBhvr>
+                                        <p:cTn id="28" dur="1" fill="hold">
+                                          <p:stCondLst>
+                                            <p:cond delay="0"/>
+                                          </p:stCondLst>
+                                        </p:cTn>
+                                        <p:tgtEl>
+                                          <p:spTgt spid="697347">
+                                            <p:txEl>
+                                              <p:pRg st="7" end="7"/>
+                                            </p:txEl>
+                                          </p:spTgt>
+                                        </p:tgtEl>
+                                        <p:attrNameLst>
+                                          <p:attrName>style.visibility</p:attrName>
+                                        </p:attrNameLst>
+                                      </p:cBhvr>
+                                      <p:to>
+                                        <p:strVal val="visible"/>
+                                      </p:to>
+                                    </p:set>
+                                  </p:childTnLst>
+                                </p:cTn>
+                              </p:par>
+                            </p:childTnLst>
+                          </p:cTn>
+                        </p:par>
+                      </p:childTnLst>
+                    </p:cTn>
+                  </p:par>
+                  <p:par>
+                    <p:cTn id="29" fill="hold">
+                      <p:stCondLst>
+                        <p:cond delay="indefinite"/>
+                      </p:stCondLst>
+                      <p:childTnLst>
+                        <p:par>
+                          <p:cTn id="30" fill="hold">
+                            <p:stCondLst>
+                              <p:cond delay="0"/>
+                            </p:stCondLst>
+                            <p:childTnLst>
+                              <p:par>
+                                <p:cTn id="31" presetID="1" presetClass="entr" presetSubtype="0" fill="hold" grpId="0" nodeType="clickEffect">
+                                  <p:stCondLst>
+                                    <p:cond delay="0"/>
+                                  </p:stCondLst>
+                                  <p:childTnLst>
+                                    <p:set>
+                                      <p:cBhvr>
+                                        <p:cTn id="32" dur="1" fill="hold">
+                                          <p:stCondLst>
+                                            <p:cond delay="0"/>
+                                          </p:stCondLst>
+                                        </p:cTn>
+                                        <p:tgtEl>
+                                          <p:spTgt spid="697347">
+                                            <p:txEl>
+                                              <p:pRg st="8" end="8"/>
+                                            </p:txEl>
+                                          </p:spTgt>
+                                        </p:tgtEl>
+                                        <p:attrNameLst>
+                                          <p:attrName>style.visibility</p:attrName>
+                                        </p:attrNameLst>
+                                      </p:cBhvr>
+                                      <p:to>
+                                        <p:strVal val="visible"/>
+                                      </p:to>
+                                    </p:set>
+                                  </p:childTnLst>
+                                </p:cTn>
+                              </p:par>
+                              <p:par>
+                                <p:cTn id="33" presetID="1" presetClass="entr" presetSubtype="0" fill="hold" grpId="0" nodeType="withEffect">
+                                  <p:stCondLst>
+                                    <p:cond delay="0"/>
+                                  </p:stCondLst>
+                                  <p:childTnLst>
+                                    <p:set>
+                                      <p:cBhvr>
+                                        <p:cTn id="34" dur="1" fill="hold">
+                                          <p:stCondLst>
+                                            <p:cond delay="0"/>
+                                          </p:stCondLst>
+                                        </p:cTn>
+                                        <p:tgtEl>
+                                          <p:spTgt spid="697347">
+                                            <p:txEl>
+                                              <p:pRg st="9" end="9"/>
                                             </p:txEl>
                                           </p:spTgt>
                                         </p:tgtEl>
@@ -18188,389 +19302,8 @@
       </p:par>
     </p:tnLst>
     <p:bldLst>
-      <p:bldP spid="13315" grpId="0" build="p"/>
+      <p:bldP spid="697347" grpId="0" build="p"/>
     </p:bldLst>
-  </p:timing>
-</p:sld>
-</file>
-
-<file path=ppt/slides/slide6.xml><?xml version="1.0" encoding="utf-8"?>
-<p:sld xmlns:a="http://schemas.openxmlformats.org/drawingml/2006/main" xmlns:r="http://schemas.openxmlformats.org/officeDocument/2006/relationships" xmlns:p="http://schemas.openxmlformats.org/presentationml/2006/main">
-  <p:cSld>
-    <p:spTree>
-      <p:nvGrpSpPr>
-        <p:cNvPr id="1" name=""/>
-        <p:cNvGrpSpPr/>
-        <p:nvPr/>
-      </p:nvGrpSpPr>
-      <p:grpSpPr>
-        <a:xfrm>
-          <a:off x="0" y="0"/>
-          <a:ext cx="0" cy="0"/>
-          <a:chOff x="0" y="0"/>
-          <a:chExt cx="0" cy="0"/>
-        </a:xfrm>
-      </p:grpSpPr>
-      <p:sp>
-        <p:nvSpPr>
-          <p:cNvPr id="7170" name="Rectangle 2"/>
-          <p:cNvSpPr>
-            <a:spLocks noChangeArrowheads="1"/>
-          </p:cNvSpPr>
-          <p:nvPr/>
-        </p:nvSpPr>
-        <p:spPr bwMode="auto">
-          <a:xfrm>
-            <a:off x="1258888" y="6350"/>
-            <a:ext cx="7885112" cy="650875"/>
-          </a:xfrm>
-          <a:prstGeom prst="rect">
-            <a:avLst/>
-          </a:prstGeom>
-          <a:noFill/>
-          <a:ln w="9525">
-            <a:noFill/>
-            <a:miter lim="800000"/>
-            <a:headEnd/>
-            <a:tailEnd/>
-          </a:ln>
-        </p:spPr>
-        <p:txBody>
-          <a:bodyPr/>
-          <a:lstStyle/>
-          <a:p>
-            <a:pPr algn="ctr"/>
-            <a:r>
-              <a:rPr lang="en-GB" sz="3600" b="0">
-                <a:solidFill>
-                  <a:schemeClr val="tx2"/>
-                </a:solidFill>
-              </a:rPr>
-              <a:t>Hard Work using the Syntactic Web…</a:t>
-            </a:r>
-            <a:endParaRPr lang="en-US" sz="3600" b="0">
-              <a:solidFill>
-                <a:schemeClr val="tx2"/>
-              </a:solidFill>
-            </a:endParaRPr>
-          </a:p>
-        </p:txBody>
-      </p:sp>
-      <p:sp>
-        <p:nvSpPr>
-          <p:cNvPr id="7171" name="Rectangle 3"/>
-          <p:cNvSpPr>
-            <a:spLocks noChangeArrowheads="1"/>
-          </p:cNvSpPr>
-          <p:nvPr/>
-        </p:nvSpPr>
-        <p:spPr bwMode="auto">
-          <a:xfrm>
-            <a:off x="684213" y="1222375"/>
-            <a:ext cx="8459787" cy="4572000"/>
-          </a:xfrm>
-          <a:prstGeom prst="rect">
-            <a:avLst/>
-          </a:prstGeom>
-          <a:noFill/>
-          <a:ln w="9525">
-            <a:noFill/>
-            <a:miter lim="800000"/>
-            <a:headEnd/>
-            <a:tailEnd/>
-          </a:ln>
-        </p:spPr>
-        <p:txBody>
-          <a:bodyPr/>
-          <a:lstStyle/>
-          <a:p>
-            <a:pPr marL="342900" indent="-342900">
-              <a:spcBef>
-                <a:spcPct val="20000"/>
-              </a:spcBef>
-              <a:buFontTx/>
-              <a:buChar char="•"/>
-            </a:pPr>
-            <a:r>
-              <a:rPr lang="en-GB" sz="1800" b="0"/>
-              <a:t>Complex queries involving </a:t>
-            </a:r>
-            <a:r>
-              <a:rPr lang="en-GB" sz="1800" b="0">
-                <a:solidFill>
-                  <a:srgbClr val="0033CC"/>
-                </a:solidFill>
-              </a:rPr>
-              <a:t>background knowledge</a:t>
-            </a:r>
-          </a:p>
-          <a:p>
-            <a:pPr marL="742950" lvl="1" indent="-285750">
-              <a:spcBef>
-                <a:spcPct val="20000"/>
-              </a:spcBef>
-              <a:buFontTx/>
-              <a:buChar char="–"/>
-            </a:pPr>
-            <a:r>
-              <a:rPr lang="en-GB" sz="1800" b="0"/>
-              <a:t>Find information about “animals that use sonar but are not either bats, dolphins or whales”</a:t>
-            </a:r>
-          </a:p>
-          <a:p>
-            <a:pPr marL="342900" indent="-342900">
-              <a:spcBef>
-                <a:spcPct val="20000"/>
-              </a:spcBef>
-              <a:buFontTx/>
-              <a:buChar char="•"/>
-            </a:pPr>
-            <a:r>
-              <a:rPr lang="en-GB" sz="1800" b="0"/>
-              <a:t>Locating information in </a:t>
-            </a:r>
-            <a:r>
-              <a:rPr lang="en-GB" sz="1800" b="0">
-                <a:solidFill>
-                  <a:srgbClr val="0033CC"/>
-                </a:solidFill>
-              </a:rPr>
-              <a:t>data repositories</a:t>
-            </a:r>
-          </a:p>
-          <a:p>
-            <a:pPr marL="742950" lvl="1" indent="-285750">
-              <a:spcBef>
-                <a:spcPct val="20000"/>
-              </a:spcBef>
-              <a:buFontTx/>
-              <a:buChar char="–"/>
-            </a:pPr>
-            <a:r>
-              <a:rPr lang="en-GB" sz="1800" b="0"/>
-              <a:t>Travel enquiries</a:t>
-            </a:r>
-          </a:p>
-          <a:p>
-            <a:pPr marL="742950" lvl="1" indent="-285750">
-              <a:spcBef>
-                <a:spcPct val="20000"/>
-              </a:spcBef>
-              <a:buFontTx/>
-              <a:buChar char="–"/>
-            </a:pPr>
-            <a:r>
-              <a:rPr lang="en-GB" sz="1800" b="0"/>
-              <a:t>Prices of goods and services</a:t>
-            </a:r>
-          </a:p>
-          <a:p>
-            <a:pPr marL="742950" lvl="1" indent="-285750">
-              <a:spcBef>
-                <a:spcPct val="20000"/>
-              </a:spcBef>
-              <a:buFontTx/>
-              <a:buChar char="–"/>
-            </a:pPr>
-            <a:r>
-              <a:rPr lang="en-GB" sz="1800" b="0"/>
-              <a:t>Results of human genome experiments</a:t>
-            </a:r>
-          </a:p>
-          <a:p>
-            <a:pPr marL="342900" indent="-342900">
-              <a:spcBef>
-                <a:spcPct val="20000"/>
-              </a:spcBef>
-              <a:buFontTx/>
-              <a:buChar char="•"/>
-            </a:pPr>
-            <a:r>
-              <a:rPr lang="en-GB" sz="1800" b="0"/>
-              <a:t>Delegating complex tasks to web “</a:t>
-            </a:r>
-            <a:r>
-              <a:rPr lang="en-GB" sz="1800" b="0">
-                <a:solidFill>
-                  <a:srgbClr val="0033CC"/>
-                </a:solidFill>
-              </a:rPr>
-              <a:t>agents</a:t>
-            </a:r>
-            <a:r>
-              <a:rPr lang="en-GB" sz="1800" b="0"/>
-              <a:t>”</a:t>
-            </a:r>
-          </a:p>
-          <a:p>
-            <a:pPr marL="742950" lvl="1" indent="-285750">
-              <a:spcBef>
-                <a:spcPct val="20000"/>
-              </a:spcBef>
-              <a:buFontTx/>
-              <a:buChar char="–"/>
-            </a:pPr>
-            <a:r>
-              <a:rPr lang="en-GB" sz="1800" b="0"/>
-              <a:t>Book me a holiday next weekend somewhere warm, not too far away, and where they speak French or English</a:t>
-            </a:r>
-            <a:endParaRPr lang="en-US" sz="1800" b="0"/>
-          </a:p>
-        </p:txBody>
-      </p:sp>
-      <p:sp>
-        <p:nvSpPr>
-          <p:cNvPr id="7172" name="Text Box 4"/>
-          <p:cNvSpPr txBox="1">
-            <a:spLocks noChangeArrowheads="1"/>
-          </p:cNvSpPr>
-          <p:nvPr/>
-        </p:nvSpPr>
-        <p:spPr bwMode="auto">
-          <a:xfrm>
-            <a:off x="1116013" y="6092825"/>
-            <a:ext cx="6985000" cy="641350"/>
-          </a:xfrm>
-          <a:prstGeom prst="rect">
-            <a:avLst/>
-          </a:prstGeom>
-          <a:solidFill>
-            <a:srgbClr val="C0C0C0"/>
-          </a:solidFill>
-          <a:ln w="9525">
-            <a:solidFill>
-              <a:schemeClr val="tx1"/>
-            </a:solidFill>
-            <a:miter lim="800000"/>
-            <a:headEnd/>
-            <a:tailEnd/>
-          </a:ln>
-        </p:spPr>
-        <p:txBody>
-          <a:bodyPr lIns="18000" tIns="10800" rIns="18000" bIns="10800" anchorCtr="1">
-            <a:spAutoFit/>
-          </a:bodyPr>
-          <a:lstStyle/>
-          <a:p>
-            <a:pPr>
-              <a:spcBef>
-                <a:spcPct val="50000"/>
-              </a:spcBef>
-            </a:pPr>
-            <a:r>
-              <a:rPr lang="en-US" sz="2000" b="0">
-                <a:solidFill>
-                  <a:srgbClr val="E00000"/>
-                </a:solidFill>
-              </a:rPr>
-              <a:t>Almost impossible for machines and too hard for people without automation</a:t>
-            </a:r>
-          </a:p>
-        </p:txBody>
-      </p:sp>
-      <p:grpSp>
-        <p:nvGrpSpPr>
-          <p:cNvPr id="2" name="Group 8"/>
-          <p:cNvGrpSpPr>
-            <a:grpSpLocks/>
-          </p:cNvGrpSpPr>
-          <p:nvPr/>
-        </p:nvGrpSpPr>
-        <p:grpSpPr bwMode="auto">
-          <a:xfrm>
-            <a:off x="3048000" y="2133600"/>
-            <a:ext cx="2166938" cy="3756025"/>
-            <a:chOff x="1200" y="2832"/>
-            <a:chExt cx="1365" cy="2366"/>
-          </a:xfrm>
-        </p:grpSpPr>
-        <p:pic>
-          <p:nvPicPr>
-            <p:cNvPr id="7174" name="Picture 6" descr="eyeviewowl"/>
-            <p:cNvPicPr>
-              <a:picLocks noChangeAspect="1" noChangeArrowheads="1"/>
-            </p:cNvPicPr>
-            <p:nvPr/>
-          </p:nvPicPr>
-          <p:blipFill>
-            <a:blip r:embed="rId3"/>
-            <a:srcRect/>
-            <a:stretch>
-              <a:fillRect/>
-            </a:stretch>
-          </p:blipFill>
-          <p:spPr bwMode="auto">
-            <a:xfrm>
-              <a:off x="1461" y="3086"/>
-              <a:ext cx="906" cy="2112"/>
-            </a:xfrm>
-            <a:prstGeom prst="rect">
-              <a:avLst/>
-            </a:prstGeom>
-            <a:noFill/>
-            <a:ln w="9525">
-              <a:noFill/>
-              <a:miter lim="800000"/>
-              <a:headEnd/>
-              <a:tailEnd/>
-            </a:ln>
-          </p:spPr>
-        </p:pic>
-        <p:sp>
-          <p:nvSpPr>
-            <p:cNvPr id="7175" name="Text Box 7"/>
-            <p:cNvSpPr txBox="1">
-              <a:spLocks noChangeArrowheads="1"/>
-            </p:cNvSpPr>
-            <p:nvPr/>
-          </p:nvSpPr>
-          <p:spPr bwMode="auto">
-            <a:xfrm>
-              <a:off x="1200" y="2832"/>
-              <a:ext cx="1365" cy="250"/>
-            </a:xfrm>
-            <a:prstGeom prst="rect">
-              <a:avLst/>
-            </a:prstGeom>
-            <a:noFill/>
-            <a:ln w="9525">
-              <a:noFill/>
-              <a:miter lim="800000"/>
-              <a:headEnd/>
-              <a:tailEnd/>
-            </a:ln>
-          </p:spPr>
-          <p:txBody>
-            <a:bodyPr>
-              <a:spAutoFit/>
-            </a:bodyPr>
-            <a:lstStyle/>
-            <a:p>
-              <a:pPr>
-                <a:spcBef>
-                  <a:spcPct val="50000"/>
-                </a:spcBef>
-              </a:pPr>
-              <a:r>
-                <a:rPr lang="en-GB" sz="2000"/>
-                <a:t>, e.g., Barn Owl</a:t>
-              </a:r>
-              <a:endParaRPr lang="en-US" sz="2000"/>
-            </a:p>
-          </p:txBody>
-        </p:sp>
-      </p:grpSp>
-    </p:spTree>
-  </p:cSld>
-  <p:clrMapOvr>
-    <a:masterClrMapping/>
-  </p:clrMapOvr>
-  <p:timing>
-    <p:tnLst>
-      <p:par>
-        <p:cTn id="1" dur="indefinite" restart="never" nodeType="tmRoot"/>
-      </p:par>
-    </p:tnLst>
   </p:timing>
 </p:sld>
 </file>
@@ -18725,8 +19458,12 @@
               <a:buChar char="•"/>
             </a:pPr>
             <a:r>
-              <a:rPr lang="en-GB" sz="1800" b="0"/>
-              <a:t>Markup consists of: </a:t>
+              <a:rPr lang="en-GB" sz="1800" b="0" dirty="0" err="1"/>
+              <a:t>Markup</a:t>
+            </a:r>
+            <a:r>
+              <a:rPr lang="en-GB" sz="1800" b="0" dirty="0"/>
+              <a:t> consists of: </a:t>
             </a:r>
           </a:p>
           <a:p>
@@ -18738,7 +19475,7 @@
               <a:buChar char="–"/>
             </a:pPr>
             <a:r>
-              <a:rPr lang="en-GB" sz="1800" b="0"/>
+              <a:rPr lang="en-GB" sz="1800" b="0" dirty="0"/>
               <a:t>rendering information (e.g., font size and colour)</a:t>
             </a:r>
           </a:p>
@@ -18751,7 +19488,7 @@
               <a:buChar char="–"/>
             </a:pPr>
             <a:r>
-              <a:rPr lang="en-GB" sz="1800" b="0"/>
+              <a:rPr lang="en-GB" sz="1800" b="0" dirty="0"/>
               <a:t>Hyper-links to related content</a:t>
             </a:r>
           </a:p>
@@ -18764,10 +19501,10 @@
               <a:buChar char="•"/>
             </a:pPr>
             <a:r>
-              <a:rPr lang="en-GB" sz="1800" b="0"/>
+              <a:rPr lang="en-GB" sz="1800" b="0" dirty="0"/>
               <a:t>Semantic content is accessible to humans but not (easily) to computers…</a:t>
             </a:r>
-            <a:endParaRPr lang="en-US" sz="1800" b="0"/>
+            <a:endParaRPr lang="en-US" sz="1800" b="0" dirty="0"/>
           </a:p>
         </p:txBody>
       </p:sp>
